--- a/現代 .Net 開發者之路 - MVC 完全精通.pptx
+++ b/現代 .Net 開發者之路 - MVC 完全精通.pptx
@@ -5,10 +5,10 @@
     <p:sldMasterId id="2147483696" r:id="rId1"/>
   </p:sldMasterIdLst>
   <p:notesMasterIdLst>
-    <p:notesMasterId r:id="rId8"/>
+    <p:notesMasterId r:id="rId10"/>
   </p:notesMasterIdLst>
   <p:handoutMasterIdLst>
-    <p:handoutMasterId r:id="rId9"/>
+    <p:handoutMasterId r:id="rId11"/>
   </p:handoutMasterIdLst>
   <p:sldIdLst>
     <p:sldId id="257" r:id="rId2"/>
@@ -17,6 +17,8 @@
     <p:sldId id="260" r:id="rId5"/>
     <p:sldId id="261" r:id="rId6"/>
     <p:sldId id="262" r:id="rId7"/>
+    <p:sldId id="263" r:id="rId8"/>
+    <p:sldId id="264" r:id="rId9"/>
   </p:sldIdLst>
   <p:sldSz cx="12192000" cy="6858000"/>
   <p:notesSz cx="6858000" cy="9144000"/>
@@ -241,7 +243,7 @@
                 <a:latin typeface="Microsoft JhengHei UI" panose="020B0604030504040204" pitchFamily="34" charset="-120"/>
                 <a:ea typeface="Microsoft JhengHei UI" panose="020B0604030504040204" pitchFamily="34" charset="-120"/>
               </a:rPr>
-              <a:t>2018年5月2日</a:t>
+              <a:t>2018年5月3日</a:t>
             </a:fld>
             <a:endParaRPr lang="zh-TW" altLang="en-US" dirty="0">
               <a:latin typeface="Microsoft JhengHei UI" panose="020B0604030504040204" pitchFamily="34" charset="-120"/>
@@ -428,7 +430,7 @@
             <a:fld id="{71311F18-D970-4D7B-B098-1E7546817641}" type="datetime2">
               <a:rPr lang="zh-TW" altLang="en-US" smtClean="0"/>
               <a:pPr/>
-              <a:t>2018年5月2日</a:t>
+              <a:t>2018年5月3日</a:t>
             </a:fld>
             <a:endParaRPr lang="zh-TW" altLang="en-US" dirty="0"/>
           </a:p>
@@ -1634,7 +1636,7 @@
             <a:pPr rtl="0"/>
             <a:fld id="{D680CC22-4E9F-4C64-95EA-15180CEA148A}" type="datetime2">
               <a:rPr lang="zh-TW" altLang="en-US" smtClean="0"/>
-              <a:t>2018年5月2日</a:t>
+              <a:t>2018年5月3日</a:t>
             </a:fld>
             <a:endParaRPr lang="zh-TW" altLang="en-US" dirty="0"/>
           </a:p>
@@ -1843,7 +1845,7 @@
             <a:pPr rtl="0"/>
             <a:fld id="{75CFB655-E279-4DE7-AFF4-4A3FE36E3A57}" type="datetime2">
               <a:rPr lang="zh-TW" altLang="en-US" smtClean="0"/>
-              <a:t>2018年5月2日</a:t>
+              <a:t>2018年5月3日</a:t>
             </a:fld>
             <a:endParaRPr lang="zh-TW" altLang="en-US" dirty="0"/>
           </a:p>
@@ -2053,7 +2055,7 @@
             <a:pPr rtl="0"/>
             <a:fld id="{3F7E4AE4-EFA9-4FD9-A229-004A31E547D5}" type="datetime2">
               <a:rPr lang="zh-TW" altLang="en-US" smtClean="0"/>
-              <a:t>2018年5月2日</a:t>
+              <a:t>2018年5月3日</a:t>
             </a:fld>
             <a:endParaRPr lang="zh-TW" altLang="en-US" dirty="0"/>
           </a:p>
@@ -2252,7 +2254,7 @@
             <a:pPr rtl="0"/>
             <a:fld id="{AB44B7CC-4AA8-43B8-AE83-02691DCDABC3}" type="datetime2">
               <a:rPr lang="zh-TW" altLang="en-US" smtClean="0"/>
-              <a:t>2018年5月2日</a:t>
+              <a:t>2018年5月3日</a:t>
             </a:fld>
             <a:endParaRPr lang="zh-TW" altLang="en-US" dirty="0"/>
           </a:p>
@@ -2491,7 +2493,7 @@
             <a:pPr rtl="0"/>
             <a:fld id="{D1572BCF-2FF2-4C6E-B5A8-E6DE1AF4B961}" type="datetime2">
               <a:rPr lang="zh-TW" altLang="en-US" smtClean="0"/>
-              <a:t>2018年5月2日</a:t>
+              <a:t>2018年5月3日</a:t>
             </a:fld>
             <a:endParaRPr lang="zh-TW" altLang="en-US" dirty="0"/>
           </a:p>
@@ -2774,7 +2776,7 @@
             <a:pPr rtl="0"/>
             <a:fld id="{46F4FBF5-CDC6-4057-A311-5C521C8F5DB8}" type="datetime2">
               <a:rPr lang="zh-TW" altLang="en-US" smtClean="0"/>
-              <a:t>2018年5月2日</a:t>
+              <a:t>2018年5月3日</a:t>
             </a:fld>
             <a:endParaRPr lang="zh-TW" altLang="en-US" dirty="0"/>
           </a:p>
@@ -3220,7 +3222,7 @@
             <a:pPr rtl="0"/>
             <a:fld id="{333E8C17-4C3B-4AED-BB36-C741E1DC4CDE}" type="datetime2">
               <a:rPr lang="zh-TW" altLang="en-US" smtClean="0"/>
-              <a:t>2018年5月2日</a:t>
+              <a:t>2018年5月3日</a:t>
             </a:fld>
             <a:endParaRPr lang="zh-TW" altLang="en-US" dirty="0"/>
           </a:p>
@@ -3380,7 +3382,7 @@
             <a:pPr rtl="0"/>
             <a:fld id="{A274F4D4-41C4-43DF-B10D-F70E9B50FCC2}" type="datetime2">
               <a:rPr lang="zh-TW" altLang="en-US" smtClean="0"/>
-              <a:t>2018年5月2日</a:t>
+              <a:t>2018年5月3日</a:t>
             </a:fld>
             <a:endParaRPr lang="zh-TW" altLang="en-US" dirty="0"/>
           </a:p>
@@ -3498,7 +3500,7 @@
             <a:pPr rtl="0"/>
             <a:fld id="{FE0D8C69-8E88-4B86-8CF3-2D8ABB71F89F}" type="datetime2">
               <a:rPr lang="zh-TW" altLang="en-US" smtClean="0"/>
-              <a:t>2018年5月2日</a:t>
+              <a:t>2018年5月3日</a:t>
             </a:fld>
             <a:endParaRPr lang="zh-TW" altLang="en-US" dirty="0"/>
           </a:p>
@@ -3766,7 +3768,7 @@
             <a:pPr rtl="0"/>
             <a:fld id="{985A7139-9615-44C0-8E48-7B3A81ED52C4}" type="datetime2">
               <a:rPr lang="zh-TW" altLang="en-US" smtClean="0"/>
-              <a:t>2018年5月2日</a:t>
+              <a:t>2018年5月3日</a:t>
             </a:fld>
             <a:endParaRPr lang="zh-TW" altLang="en-US" dirty="0"/>
           </a:p>
@@ -4035,7 +4037,7 @@
             <a:pPr rtl="0"/>
             <a:fld id="{4CD70A3B-5055-4ACA-8D9E-69847E896869}" type="datetime2">
               <a:rPr lang="zh-TW" altLang="en-US" smtClean="0"/>
-              <a:t>2018年5月2日</a:t>
+              <a:t>2018年5月3日</a:t>
             </a:fld>
             <a:endParaRPr lang="zh-TW" altLang="en-US" dirty="0"/>
           </a:p>
@@ -4943,7 +4945,7 @@
             <a:fld id="{12233221-9E5A-44E3-8D2A-51D4D9EBD76D}" type="datetime2">
               <a:rPr lang="zh-TW" altLang="en-US" smtClean="0"/>
               <a:pPr/>
-              <a:t>2018年5月2日</a:t>
+              <a:t>2018年5月3日</a:t>
             </a:fld>
             <a:endParaRPr lang="zh-TW" altLang="en-US" dirty="0"/>
           </a:p>
@@ -7028,6 +7030,1321 @@
                 </p:cTn>
                 <p:tgtEl>
                   <p:spTgt spid="6"/>
+                </p:tgtEl>
+              </p:cMediaNode>
+            </p:video>
+          </p:childTnLst>
+        </p:cTn>
+      </p:par>
+    </p:tnLst>
+  </p:timing>
+</p:sld>
+</file>
+
+<file path=ppt/slides/slide7.xml><?xml version="1.0" encoding="utf-8"?>
+<p:sld xmlns:a="http://schemas.openxmlformats.org/drawingml/2006/main" xmlns:r="http://schemas.openxmlformats.org/officeDocument/2006/relationships" xmlns:p="http://schemas.openxmlformats.org/presentationml/2006/main">
+  <p:cSld>
+    <p:spTree>
+      <p:nvGrpSpPr>
+        <p:cNvPr id="1" name=""/>
+        <p:cNvGrpSpPr/>
+        <p:nvPr/>
+      </p:nvGrpSpPr>
+      <p:grpSpPr>
+        <a:xfrm>
+          <a:off x="0" y="0"/>
+          <a:ext cx="0" cy="0"/>
+          <a:chOff x="0" y="0"/>
+          <a:chExt cx="0" cy="0"/>
+        </a:xfrm>
+      </p:grpSpPr>
+      <p:sp>
+        <p:nvSpPr>
+          <p:cNvPr id="2" name="標題 1">
+            <a:extLst>
+              <a:ext uri="{FF2B5EF4-FFF2-40B4-BE49-F238E27FC236}">
+                <a16:creationId xmlns:a16="http://schemas.microsoft.com/office/drawing/2014/main" id="{5CCC8696-30A4-41D2-BEA5-72BD4E3ABCE2}"/>
+              </a:ext>
+            </a:extLst>
+          </p:cNvPr>
+          <p:cNvSpPr>
+            <a:spLocks noGrp="1"/>
+          </p:cNvSpPr>
+          <p:nvPr>
+            <p:ph type="title"/>
+          </p:nvPr>
+        </p:nvSpPr>
+        <p:spPr/>
+        <p:txBody>
+          <a:bodyPr/>
+          <a:lstStyle/>
+          <a:p>
+            <a:r>
+              <a:rPr lang="zh-TW" altLang="en-US" dirty="0"/>
+              <a:t>使用</a:t>
+            </a:r>
+            <a:r>
+              <a:rPr lang="en-US" altLang="zh-TW" dirty="0"/>
+              <a:t>Area</a:t>
+            </a:r>
+            <a:r>
+              <a:rPr lang="zh-TW" altLang="en-US" dirty="0"/>
+              <a:t>將網站畫地分區</a:t>
+            </a:r>
+          </a:p>
+        </p:txBody>
+      </p:sp>
+      <p:sp>
+        <p:nvSpPr>
+          <p:cNvPr id="3" name="內容版面配置區 2">
+            <a:extLst>
+              <a:ext uri="{FF2B5EF4-FFF2-40B4-BE49-F238E27FC236}">
+                <a16:creationId xmlns:a16="http://schemas.microsoft.com/office/drawing/2014/main" id="{236FFF8C-6D70-4C7E-AFDB-30E625C71031}"/>
+              </a:ext>
+            </a:extLst>
+          </p:cNvPr>
+          <p:cNvSpPr>
+            <a:spLocks noGrp="1"/>
+          </p:cNvSpPr>
+          <p:nvPr>
+            <p:ph idx="1"/>
+          </p:nvPr>
+        </p:nvSpPr>
+        <p:spPr>
+          <a:xfrm>
+            <a:off x="268449" y="2249424"/>
+            <a:ext cx="11313952" cy="4325112"/>
+          </a:xfrm>
+        </p:spPr>
+        <p:txBody>
+          <a:bodyPr/>
+          <a:lstStyle/>
+          <a:p>
+            <a:pPr marL="109728" indent="0">
+              <a:buNone/>
+            </a:pPr>
+            <a:r>
+              <a:rPr lang="zh-TW" altLang="en-US" dirty="0"/>
+              <a:t>龐大複雜的</a:t>
+            </a:r>
+            <a:r>
+              <a:rPr lang="en-US" altLang="zh-TW" dirty="0"/>
+              <a:t>Web Application</a:t>
+            </a:r>
+            <a:r>
+              <a:rPr lang="zh-TW" altLang="en-US" dirty="0"/>
+              <a:t>通常需要</a:t>
+            </a:r>
+            <a:r>
+              <a:rPr lang="en-US" altLang="zh-TW" dirty="0"/>
+              <a:t>Area</a:t>
+            </a:r>
+            <a:r>
+              <a:rPr lang="zh-TW" altLang="en-US" dirty="0"/>
+              <a:t>來將網站畫地分區。</a:t>
+            </a:r>
+            <a:endParaRPr lang="en-US" altLang="zh-TW" dirty="0"/>
+          </a:p>
+          <a:p>
+            <a:pPr marL="109728" indent="0">
+              <a:buNone/>
+            </a:pPr>
+            <a:r>
+              <a:rPr lang="zh-TW" altLang="en-US" dirty="0"/>
+              <a:t>每個</a:t>
+            </a:r>
+            <a:r>
+              <a:rPr lang="en-US" altLang="zh-TW" dirty="0"/>
+              <a:t>Area</a:t>
+            </a:r>
+            <a:r>
+              <a:rPr lang="zh-TW" altLang="en-US" dirty="0"/>
+              <a:t>都有屬於自己的</a:t>
+            </a:r>
+            <a:r>
+              <a:rPr lang="en-US" altLang="zh-TW" dirty="0"/>
+              <a:t>Model</a:t>
+            </a:r>
+            <a:r>
+              <a:rPr lang="zh-TW" altLang="en-US" dirty="0"/>
+              <a:t>，</a:t>
+            </a:r>
+            <a:r>
+              <a:rPr lang="en-US" altLang="zh-TW" dirty="0"/>
+              <a:t>View</a:t>
+            </a:r>
+            <a:r>
+              <a:rPr lang="zh-TW" altLang="en-US" dirty="0"/>
+              <a:t>，</a:t>
+            </a:r>
+            <a:r>
+              <a:rPr lang="en-US" altLang="zh-TW" dirty="0"/>
+              <a:t>Controller</a:t>
+            </a:r>
+            <a:r>
+              <a:rPr lang="zh-TW" altLang="en-US" dirty="0"/>
+              <a:t>結構。</a:t>
+            </a:r>
+            <a:endParaRPr lang="en-US" altLang="zh-TW" dirty="0"/>
+          </a:p>
+          <a:p>
+            <a:pPr marL="109728" indent="0">
+              <a:buNone/>
+            </a:pPr>
+            <a:r>
+              <a:rPr lang="zh-TW" altLang="en-US" dirty="0"/>
+              <a:t>每個</a:t>
+            </a:r>
+            <a:r>
+              <a:rPr lang="en-US" altLang="zh-TW" dirty="0"/>
+              <a:t>Area</a:t>
+            </a:r>
+            <a:r>
+              <a:rPr lang="zh-TW" altLang="en-US" dirty="0"/>
+              <a:t>內的</a:t>
+            </a:r>
+            <a:r>
+              <a:rPr lang="en-US" altLang="zh-TW" dirty="0"/>
+              <a:t>MVC</a:t>
+            </a:r>
+            <a:r>
+              <a:rPr lang="zh-TW" altLang="en-US" dirty="0"/>
+              <a:t>都不會和其他</a:t>
+            </a:r>
+            <a:r>
+              <a:rPr lang="en-US" altLang="zh-TW" dirty="0"/>
+              <a:t>Area</a:t>
+            </a:r>
+            <a:r>
+              <a:rPr lang="zh-TW" altLang="en-US" dirty="0"/>
+              <a:t>的</a:t>
+            </a:r>
+            <a:r>
+              <a:rPr lang="en-US" altLang="zh-TW" dirty="0"/>
+              <a:t>MVC</a:t>
+            </a:r>
+            <a:r>
+              <a:rPr lang="zh-TW" altLang="en-US" dirty="0"/>
+              <a:t>互相影響，可以獨立作業。</a:t>
+            </a:r>
+          </a:p>
+          <a:p>
+            <a:endParaRPr lang="zh-TW" altLang="en-US" dirty="0"/>
+          </a:p>
+        </p:txBody>
+      </p:sp>
+    </p:spTree>
+    <p:extLst>
+      <p:ext uri="{BB962C8B-B14F-4D97-AF65-F5344CB8AC3E}">
+        <p14:creationId xmlns:p14="http://schemas.microsoft.com/office/powerpoint/2010/main" val="2282453125"/>
+      </p:ext>
+    </p:extLst>
+  </p:cSld>
+  <p:clrMapOvr>
+    <a:masterClrMapping/>
+  </p:clrMapOvr>
+  <mc:AlternateContent xmlns:mc="http://schemas.openxmlformats.org/markup-compatibility/2006" xmlns:p14="http://schemas.microsoft.com/office/powerpoint/2010/main">
+    <mc:Choice Requires="p14">
+      <p:transition spd="med" p14:dur="700">
+        <p:fade/>
+      </p:transition>
+    </mc:Choice>
+    <mc:Fallback xmlns="">
+      <p:transition spd="med">
+        <p:fade/>
+      </p:transition>
+    </mc:Fallback>
+  </mc:AlternateContent>
+</p:sld>
+</file>
+
+<file path=ppt/slides/slide8.xml><?xml version="1.0" encoding="utf-8"?>
+<p:sld xmlns:a="http://schemas.openxmlformats.org/drawingml/2006/main" xmlns:r="http://schemas.openxmlformats.org/officeDocument/2006/relationships" xmlns:p="http://schemas.openxmlformats.org/presentationml/2006/main">
+  <p:cSld>
+    <p:spTree>
+      <p:nvGrpSpPr>
+        <p:cNvPr id="1" name=""/>
+        <p:cNvGrpSpPr/>
+        <p:nvPr/>
+      </p:nvGrpSpPr>
+      <p:grpSpPr>
+        <a:xfrm>
+          <a:off x="0" y="0"/>
+          <a:ext cx="0" cy="0"/>
+          <a:chOff x="0" y="0"/>
+          <a:chExt cx="0" cy="0"/>
+        </a:xfrm>
+      </p:grpSpPr>
+      <p:sp>
+        <p:nvSpPr>
+          <p:cNvPr id="4" name="矩形 3">
+            <a:extLst>
+              <a:ext uri="{FF2B5EF4-FFF2-40B4-BE49-F238E27FC236}">
+                <a16:creationId xmlns:a16="http://schemas.microsoft.com/office/drawing/2014/main" id="{3CC1E397-DA8D-4C9A-B5D5-FF9D262C8554}"/>
+              </a:ext>
+            </a:extLst>
+          </p:cNvPr>
+          <p:cNvSpPr/>
+          <p:nvPr/>
+        </p:nvSpPr>
+        <p:spPr>
+          <a:xfrm>
+            <a:off x="268448" y="856612"/>
+            <a:ext cx="10544961" cy="954107"/>
+          </a:xfrm>
+          <a:prstGeom prst="rect">
+            <a:avLst/>
+          </a:prstGeom>
+        </p:spPr>
+        <p:txBody>
+          <a:bodyPr wrap="square">
+            <a:spAutoFit/>
+          </a:bodyPr>
+          <a:lstStyle/>
+          <a:p>
+            <a:r>
+              <a:rPr lang="en-US" altLang="zh-TW" sz="1400" dirty="0">
+                <a:solidFill>
+                  <a:srgbClr val="000000"/>
+                </a:solidFill>
+                <a:latin typeface="細明體" panose="02020509000000000000" pitchFamily="49" charset="-120"/>
+                <a:ea typeface="細明體" panose="02020509000000000000" pitchFamily="49" charset="-120"/>
+              </a:rPr>
+              <a:t>@</a:t>
+            </a:r>
+            <a:r>
+              <a:rPr lang="en-US" altLang="zh-TW" sz="1400" dirty="0" err="1">
+                <a:solidFill>
+                  <a:srgbClr val="000000"/>
+                </a:solidFill>
+                <a:latin typeface="細明體" panose="02020509000000000000" pitchFamily="49" charset="-120"/>
+                <a:ea typeface="細明體" panose="02020509000000000000" pitchFamily="49" charset="-120"/>
+              </a:rPr>
+              <a:t>Html.ActionLink</a:t>
+            </a:r>
+            <a:r>
+              <a:rPr lang="en-US" altLang="zh-TW" sz="1400" dirty="0">
+                <a:solidFill>
+                  <a:srgbClr val="000000"/>
+                </a:solidFill>
+                <a:latin typeface="細明體" panose="02020509000000000000" pitchFamily="49" charset="-120"/>
+                <a:ea typeface="細明體" panose="02020509000000000000" pitchFamily="49" charset="-120"/>
+              </a:rPr>
+              <a:t>(</a:t>
+            </a:r>
+            <a:r>
+              <a:rPr lang="en-US" altLang="zh-TW" sz="1400" dirty="0">
+                <a:solidFill>
+                  <a:srgbClr val="A31515"/>
+                </a:solidFill>
+                <a:latin typeface="細明體" panose="02020509000000000000" pitchFamily="49" charset="-120"/>
+                <a:ea typeface="細明體" panose="02020509000000000000" pitchFamily="49" charset="-120"/>
+              </a:rPr>
+              <a:t>"Views/Home/</a:t>
+            </a:r>
+            <a:r>
+              <a:rPr lang="en-US" altLang="zh-TW" sz="1400" dirty="0" err="1">
+                <a:solidFill>
+                  <a:srgbClr val="A31515"/>
+                </a:solidFill>
+                <a:latin typeface="細明體" panose="02020509000000000000" pitchFamily="49" charset="-120"/>
+                <a:ea typeface="細明體" panose="02020509000000000000" pitchFamily="49" charset="-120"/>
+              </a:rPr>
+              <a:t>Index.cshtml</a:t>
+            </a:r>
+            <a:r>
+              <a:rPr lang="en-US" altLang="zh-TW" sz="1400" dirty="0">
+                <a:solidFill>
+                  <a:srgbClr val="A31515"/>
+                </a:solidFill>
+                <a:latin typeface="細明體" panose="02020509000000000000" pitchFamily="49" charset="-120"/>
+                <a:ea typeface="細明體" panose="02020509000000000000" pitchFamily="49" charset="-120"/>
+              </a:rPr>
+              <a:t>"</a:t>
+            </a:r>
+            <a:r>
+              <a:rPr lang="en-US" altLang="zh-TW" sz="1400" dirty="0">
+                <a:solidFill>
+                  <a:srgbClr val="000000"/>
+                </a:solidFill>
+                <a:latin typeface="細明體" panose="02020509000000000000" pitchFamily="49" charset="-120"/>
+                <a:ea typeface="細明體" panose="02020509000000000000" pitchFamily="49" charset="-120"/>
+              </a:rPr>
+              <a:t>, </a:t>
+            </a:r>
+            <a:r>
+              <a:rPr lang="en-US" altLang="zh-TW" sz="1400" dirty="0">
+                <a:solidFill>
+                  <a:srgbClr val="A31515"/>
+                </a:solidFill>
+                <a:latin typeface="細明體" panose="02020509000000000000" pitchFamily="49" charset="-120"/>
+                <a:ea typeface="細明體" panose="02020509000000000000" pitchFamily="49" charset="-120"/>
+              </a:rPr>
+              <a:t>"Index"</a:t>
+            </a:r>
+            <a:r>
+              <a:rPr lang="en-US" altLang="zh-TW" sz="1400" dirty="0">
+                <a:solidFill>
+                  <a:srgbClr val="000000"/>
+                </a:solidFill>
+                <a:latin typeface="細明體" panose="02020509000000000000" pitchFamily="49" charset="-120"/>
+                <a:ea typeface="細明體" panose="02020509000000000000" pitchFamily="49" charset="-120"/>
+              </a:rPr>
+              <a:t>, </a:t>
+            </a:r>
+            <a:r>
+              <a:rPr lang="en-US" altLang="zh-TW" sz="1400" dirty="0">
+                <a:solidFill>
+                  <a:srgbClr val="A31515"/>
+                </a:solidFill>
+                <a:latin typeface="細明體" panose="02020509000000000000" pitchFamily="49" charset="-120"/>
+                <a:ea typeface="細明體" panose="02020509000000000000" pitchFamily="49" charset="-120"/>
+              </a:rPr>
+              <a:t>"Home"</a:t>
+            </a:r>
+            <a:r>
+              <a:rPr lang="en-US" altLang="zh-TW" sz="1400" dirty="0">
+                <a:solidFill>
+                  <a:srgbClr val="000000"/>
+                </a:solidFill>
+                <a:latin typeface="細明體" panose="02020509000000000000" pitchFamily="49" charset="-120"/>
+                <a:ea typeface="細明體" panose="02020509000000000000" pitchFamily="49" charset="-120"/>
+              </a:rPr>
+              <a:t>, </a:t>
+            </a:r>
+            <a:r>
+              <a:rPr lang="en-US" altLang="zh-TW" sz="1400" dirty="0">
+                <a:solidFill>
+                  <a:srgbClr val="0000FF"/>
+                </a:solidFill>
+                <a:latin typeface="細明體" panose="02020509000000000000" pitchFamily="49" charset="-120"/>
+                <a:ea typeface="細明體" panose="02020509000000000000" pitchFamily="49" charset="-120"/>
+              </a:rPr>
+              <a:t>new</a:t>
+            </a:r>
+            <a:r>
+              <a:rPr lang="en-US" altLang="zh-TW" sz="1400" dirty="0">
+                <a:solidFill>
+                  <a:srgbClr val="000000"/>
+                </a:solidFill>
+                <a:latin typeface="細明體" panose="02020509000000000000" pitchFamily="49" charset="-120"/>
+                <a:ea typeface="細明體" panose="02020509000000000000" pitchFamily="49" charset="-120"/>
+              </a:rPr>
+              <a:t> { area = </a:t>
+            </a:r>
+            <a:r>
+              <a:rPr lang="en-US" altLang="zh-TW" sz="1400" dirty="0">
+                <a:solidFill>
+                  <a:srgbClr val="A31515"/>
+                </a:solidFill>
+                <a:latin typeface="細明體" panose="02020509000000000000" pitchFamily="49" charset="-120"/>
+                <a:ea typeface="細明體" panose="02020509000000000000" pitchFamily="49" charset="-120"/>
+              </a:rPr>
+              <a:t>""</a:t>
+            </a:r>
+            <a:r>
+              <a:rPr lang="en-US" altLang="zh-TW" sz="1400" dirty="0">
+                <a:solidFill>
+                  <a:srgbClr val="000000"/>
+                </a:solidFill>
+                <a:latin typeface="細明體" panose="02020509000000000000" pitchFamily="49" charset="-120"/>
+                <a:ea typeface="細明體" panose="02020509000000000000" pitchFamily="49" charset="-120"/>
+              </a:rPr>
+              <a:t> }, </a:t>
+            </a:r>
+            <a:r>
+              <a:rPr lang="en-US" altLang="zh-TW" sz="1400" dirty="0">
+                <a:solidFill>
+                  <a:srgbClr val="0000FF"/>
+                </a:solidFill>
+                <a:latin typeface="細明體" panose="02020509000000000000" pitchFamily="49" charset="-120"/>
+                <a:ea typeface="細明體" panose="02020509000000000000" pitchFamily="49" charset="-120"/>
+              </a:rPr>
+              <a:t>null</a:t>
+            </a:r>
+            <a:r>
+              <a:rPr lang="en-US" altLang="zh-TW" sz="1400" dirty="0">
+                <a:solidFill>
+                  <a:srgbClr val="000000"/>
+                </a:solidFill>
+                <a:latin typeface="細明體" panose="02020509000000000000" pitchFamily="49" charset="-120"/>
+                <a:ea typeface="細明體" panose="02020509000000000000" pitchFamily="49" charset="-120"/>
+              </a:rPr>
+              <a:t>) </a:t>
+            </a:r>
+            <a:r>
+              <a:rPr lang="en-US" altLang="zh-TW" sz="1400" dirty="0">
+                <a:solidFill>
+                  <a:srgbClr val="0000FF"/>
+                </a:solidFill>
+                <a:latin typeface="細明體" panose="02020509000000000000" pitchFamily="49" charset="-120"/>
+                <a:ea typeface="細明體" panose="02020509000000000000" pitchFamily="49" charset="-120"/>
+              </a:rPr>
+              <a:t>&lt;</a:t>
+            </a:r>
+            <a:r>
+              <a:rPr lang="en-US" altLang="zh-TW" sz="1400" dirty="0" err="1">
+                <a:solidFill>
+                  <a:srgbClr val="800000"/>
+                </a:solidFill>
+                <a:latin typeface="細明體" panose="02020509000000000000" pitchFamily="49" charset="-120"/>
+                <a:ea typeface="細明體" panose="02020509000000000000" pitchFamily="49" charset="-120"/>
+              </a:rPr>
+              <a:t>br</a:t>
+            </a:r>
+            <a:r>
+              <a:rPr lang="en-US" altLang="zh-TW" sz="1400" dirty="0">
+                <a:solidFill>
+                  <a:srgbClr val="000000"/>
+                </a:solidFill>
+                <a:latin typeface="細明體" panose="02020509000000000000" pitchFamily="49" charset="-120"/>
+                <a:ea typeface="細明體" panose="02020509000000000000" pitchFamily="49" charset="-120"/>
+              </a:rPr>
+              <a:t> </a:t>
+            </a:r>
+            <a:r>
+              <a:rPr lang="en-US" altLang="zh-TW" sz="1400" dirty="0">
+                <a:solidFill>
+                  <a:srgbClr val="0000FF"/>
+                </a:solidFill>
+                <a:latin typeface="細明體" panose="02020509000000000000" pitchFamily="49" charset="-120"/>
+                <a:ea typeface="細明體" panose="02020509000000000000" pitchFamily="49" charset="-120"/>
+              </a:rPr>
+              <a:t>/&gt;</a:t>
+            </a:r>
+            <a:endParaRPr lang="en-US" altLang="zh-TW" sz="1400" dirty="0">
+              <a:solidFill>
+                <a:srgbClr val="000000"/>
+              </a:solidFill>
+              <a:latin typeface="細明體" panose="02020509000000000000" pitchFamily="49" charset="-120"/>
+              <a:ea typeface="細明體" panose="02020509000000000000" pitchFamily="49" charset="-120"/>
+            </a:endParaRPr>
+          </a:p>
+          <a:p>
+            <a:r>
+              <a:rPr lang="en-US" altLang="zh-TW" sz="1400" dirty="0">
+                <a:solidFill>
+                  <a:srgbClr val="000000"/>
+                </a:solidFill>
+                <a:latin typeface="細明體" panose="02020509000000000000" pitchFamily="49" charset="-120"/>
+                <a:ea typeface="細明體" panose="02020509000000000000" pitchFamily="49" charset="-120"/>
+              </a:rPr>
+              <a:t>@</a:t>
+            </a:r>
+            <a:r>
+              <a:rPr lang="en-US" altLang="zh-TW" sz="1400" dirty="0" err="1">
+                <a:solidFill>
+                  <a:srgbClr val="000000"/>
+                </a:solidFill>
+                <a:latin typeface="細明體" panose="02020509000000000000" pitchFamily="49" charset="-120"/>
+                <a:ea typeface="細明體" panose="02020509000000000000" pitchFamily="49" charset="-120"/>
+              </a:rPr>
+              <a:t>Html.ActionLink</a:t>
+            </a:r>
+            <a:r>
+              <a:rPr lang="en-US" altLang="zh-TW" sz="1400" dirty="0">
+                <a:solidFill>
+                  <a:srgbClr val="000000"/>
+                </a:solidFill>
+                <a:latin typeface="細明體" panose="02020509000000000000" pitchFamily="49" charset="-120"/>
+                <a:ea typeface="細明體" panose="02020509000000000000" pitchFamily="49" charset="-120"/>
+              </a:rPr>
+              <a:t>(</a:t>
+            </a:r>
+            <a:r>
+              <a:rPr lang="en-US" altLang="zh-TW" sz="1400" dirty="0">
+                <a:solidFill>
+                  <a:srgbClr val="A31515"/>
+                </a:solidFill>
+                <a:latin typeface="細明體" panose="02020509000000000000" pitchFamily="49" charset="-120"/>
+                <a:ea typeface="細明體" panose="02020509000000000000" pitchFamily="49" charset="-120"/>
+              </a:rPr>
+              <a:t>"Areas/Gamer/Views/Home/</a:t>
+            </a:r>
+            <a:r>
+              <a:rPr lang="en-US" altLang="zh-TW" sz="1400" dirty="0" err="1">
+                <a:solidFill>
+                  <a:srgbClr val="A31515"/>
+                </a:solidFill>
+                <a:latin typeface="細明體" panose="02020509000000000000" pitchFamily="49" charset="-120"/>
+                <a:ea typeface="細明體" panose="02020509000000000000" pitchFamily="49" charset="-120"/>
+              </a:rPr>
+              <a:t>Index.cshtml</a:t>
+            </a:r>
+            <a:r>
+              <a:rPr lang="en-US" altLang="zh-TW" sz="1400" dirty="0">
+                <a:solidFill>
+                  <a:srgbClr val="A31515"/>
+                </a:solidFill>
+                <a:latin typeface="細明體" panose="02020509000000000000" pitchFamily="49" charset="-120"/>
+                <a:ea typeface="細明體" panose="02020509000000000000" pitchFamily="49" charset="-120"/>
+              </a:rPr>
+              <a:t>"</a:t>
+            </a:r>
+            <a:r>
+              <a:rPr lang="en-US" altLang="zh-TW" sz="1400" dirty="0">
+                <a:solidFill>
+                  <a:srgbClr val="000000"/>
+                </a:solidFill>
+                <a:latin typeface="細明體" panose="02020509000000000000" pitchFamily="49" charset="-120"/>
+                <a:ea typeface="細明體" panose="02020509000000000000" pitchFamily="49" charset="-120"/>
+              </a:rPr>
+              <a:t>, </a:t>
+            </a:r>
+            <a:r>
+              <a:rPr lang="en-US" altLang="zh-TW" sz="1400" dirty="0">
+                <a:solidFill>
+                  <a:srgbClr val="A31515"/>
+                </a:solidFill>
+                <a:latin typeface="細明體" panose="02020509000000000000" pitchFamily="49" charset="-120"/>
+                <a:ea typeface="細明體" panose="02020509000000000000" pitchFamily="49" charset="-120"/>
+              </a:rPr>
+              <a:t>"Index"</a:t>
+            </a:r>
+            <a:r>
+              <a:rPr lang="en-US" altLang="zh-TW" sz="1400" dirty="0">
+                <a:solidFill>
+                  <a:srgbClr val="000000"/>
+                </a:solidFill>
+                <a:latin typeface="細明體" panose="02020509000000000000" pitchFamily="49" charset="-120"/>
+                <a:ea typeface="細明體" panose="02020509000000000000" pitchFamily="49" charset="-120"/>
+              </a:rPr>
+              <a:t>, </a:t>
+            </a:r>
+            <a:r>
+              <a:rPr lang="en-US" altLang="zh-TW" sz="1400" dirty="0">
+                <a:solidFill>
+                  <a:srgbClr val="A31515"/>
+                </a:solidFill>
+                <a:latin typeface="細明體" panose="02020509000000000000" pitchFamily="49" charset="-120"/>
+                <a:ea typeface="細明體" panose="02020509000000000000" pitchFamily="49" charset="-120"/>
+              </a:rPr>
+              <a:t>"Home"</a:t>
+            </a:r>
+            <a:r>
+              <a:rPr lang="en-US" altLang="zh-TW" sz="1400" dirty="0">
+                <a:solidFill>
+                  <a:srgbClr val="000000"/>
+                </a:solidFill>
+                <a:latin typeface="細明體" panose="02020509000000000000" pitchFamily="49" charset="-120"/>
+                <a:ea typeface="細明體" panose="02020509000000000000" pitchFamily="49" charset="-120"/>
+              </a:rPr>
+              <a:t>, </a:t>
+            </a:r>
+            <a:r>
+              <a:rPr lang="en-US" altLang="zh-TW" sz="1400" dirty="0">
+                <a:solidFill>
+                  <a:srgbClr val="0000FF"/>
+                </a:solidFill>
+                <a:latin typeface="細明體" panose="02020509000000000000" pitchFamily="49" charset="-120"/>
+                <a:ea typeface="細明體" panose="02020509000000000000" pitchFamily="49" charset="-120"/>
+              </a:rPr>
+              <a:t>new</a:t>
+            </a:r>
+            <a:r>
+              <a:rPr lang="en-US" altLang="zh-TW" sz="1400" dirty="0">
+                <a:solidFill>
+                  <a:srgbClr val="000000"/>
+                </a:solidFill>
+                <a:latin typeface="細明體" panose="02020509000000000000" pitchFamily="49" charset="-120"/>
+                <a:ea typeface="細明體" panose="02020509000000000000" pitchFamily="49" charset="-120"/>
+              </a:rPr>
+              <a:t> { area = </a:t>
+            </a:r>
+            <a:r>
+              <a:rPr lang="en-US" altLang="zh-TW" sz="1400" dirty="0">
+                <a:solidFill>
+                  <a:srgbClr val="A31515"/>
+                </a:solidFill>
+                <a:latin typeface="細明體" panose="02020509000000000000" pitchFamily="49" charset="-120"/>
+                <a:ea typeface="細明體" panose="02020509000000000000" pitchFamily="49" charset="-120"/>
+              </a:rPr>
+              <a:t>"Gamer"</a:t>
+            </a:r>
+            <a:r>
+              <a:rPr lang="en-US" altLang="zh-TW" sz="1400" dirty="0">
+                <a:solidFill>
+                  <a:srgbClr val="000000"/>
+                </a:solidFill>
+                <a:latin typeface="細明體" panose="02020509000000000000" pitchFamily="49" charset="-120"/>
+                <a:ea typeface="細明體" panose="02020509000000000000" pitchFamily="49" charset="-120"/>
+              </a:rPr>
+              <a:t> }, </a:t>
+            </a:r>
+            <a:r>
+              <a:rPr lang="en-US" altLang="zh-TW" sz="1400" dirty="0">
+                <a:solidFill>
+                  <a:srgbClr val="0000FF"/>
+                </a:solidFill>
+                <a:latin typeface="細明體" panose="02020509000000000000" pitchFamily="49" charset="-120"/>
+                <a:ea typeface="細明體" panose="02020509000000000000" pitchFamily="49" charset="-120"/>
+              </a:rPr>
+              <a:t>null</a:t>
+            </a:r>
+            <a:r>
+              <a:rPr lang="en-US" altLang="zh-TW" sz="1400" dirty="0">
+                <a:solidFill>
+                  <a:srgbClr val="000000"/>
+                </a:solidFill>
+                <a:latin typeface="細明體" panose="02020509000000000000" pitchFamily="49" charset="-120"/>
+                <a:ea typeface="細明體" panose="02020509000000000000" pitchFamily="49" charset="-120"/>
+              </a:rPr>
+              <a:t>) </a:t>
+            </a:r>
+            <a:r>
+              <a:rPr lang="en-US" altLang="zh-TW" sz="1400" dirty="0">
+                <a:solidFill>
+                  <a:srgbClr val="0000FF"/>
+                </a:solidFill>
+                <a:latin typeface="細明體" panose="02020509000000000000" pitchFamily="49" charset="-120"/>
+                <a:ea typeface="細明體" panose="02020509000000000000" pitchFamily="49" charset="-120"/>
+              </a:rPr>
+              <a:t>&lt;</a:t>
+            </a:r>
+            <a:r>
+              <a:rPr lang="en-US" altLang="zh-TW" sz="1400" dirty="0" err="1">
+                <a:solidFill>
+                  <a:srgbClr val="800000"/>
+                </a:solidFill>
+                <a:latin typeface="細明體" panose="02020509000000000000" pitchFamily="49" charset="-120"/>
+                <a:ea typeface="細明體" panose="02020509000000000000" pitchFamily="49" charset="-120"/>
+              </a:rPr>
+              <a:t>br</a:t>
+            </a:r>
+            <a:r>
+              <a:rPr lang="en-US" altLang="zh-TW" sz="1400" dirty="0">
+                <a:solidFill>
+                  <a:srgbClr val="000000"/>
+                </a:solidFill>
+                <a:latin typeface="細明體" panose="02020509000000000000" pitchFamily="49" charset="-120"/>
+                <a:ea typeface="細明體" panose="02020509000000000000" pitchFamily="49" charset="-120"/>
+              </a:rPr>
+              <a:t> </a:t>
+            </a:r>
+            <a:r>
+              <a:rPr lang="en-US" altLang="zh-TW" sz="1400" dirty="0">
+                <a:solidFill>
+                  <a:srgbClr val="0000FF"/>
+                </a:solidFill>
+                <a:latin typeface="細明體" panose="02020509000000000000" pitchFamily="49" charset="-120"/>
+                <a:ea typeface="細明體" panose="02020509000000000000" pitchFamily="49" charset="-120"/>
+              </a:rPr>
+              <a:t>/&gt;</a:t>
+            </a:r>
+            <a:endParaRPr lang="en-US" altLang="zh-TW" sz="1400" dirty="0">
+              <a:solidFill>
+                <a:srgbClr val="000000"/>
+              </a:solidFill>
+              <a:latin typeface="細明體" panose="02020509000000000000" pitchFamily="49" charset="-120"/>
+              <a:ea typeface="細明體" panose="02020509000000000000" pitchFamily="49" charset="-120"/>
+            </a:endParaRPr>
+          </a:p>
+          <a:p>
+            <a:r>
+              <a:rPr lang="en-US" altLang="zh-TW" sz="1400" dirty="0">
+                <a:solidFill>
+                  <a:srgbClr val="000000"/>
+                </a:solidFill>
+                <a:latin typeface="細明體" panose="02020509000000000000" pitchFamily="49" charset="-120"/>
+                <a:ea typeface="細明體" panose="02020509000000000000" pitchFamily="49" charset="-120"/>
+              </a:rPr>
+              <a:t>@</a:t>
+            </a:r>
+            <a:r>
+              <a:rPr lang="en-US" altLang="zh-TW" sz="1400" dirty="0" err="1">
+                <a:solidFill>
+                  <a:srgbClr val="000000"/>
+                </a:solidFill>
+                <a:latin typeface="細明體" panose="02020509000000000000" pitchFamily="49" charset="-120"/>
+                <a:ea typeface="細明體" panose="02020509000000000000" pitchFamily="49" charset="-120"/>
+              </a:rPr>
+              <a:t>Html.ActionLink</a:t>
+            </a:r>
+            <a:r>
+              <a:rPr lang="en-US" altLang="zh-TW" sz="1400" dirty="0">
+                <a:solidFill>
+                  <a:srgbClr val="000000"/>
+                </a:solidFill>
+                <a:latin typeface="細明體" panose="02020509000000000000" pitchFamily="49" charset="-120"/>
+                <a:ea typeface="細明體" panose="02020509000000000000" pitchFamily="49" charset="-120"/>
+              </a:rPr>
+              <a:t>(</a:t>
+            </a:r>
+            <a:r>
+              <a:rPr lang="en-US" altLang="zh-TW" sz="1400" dirty="0">
+                <a:solidFill>
+                  <a:srgbClr val="A31515"/>
+                </a:solidFill>
+                <a:latin typeface="細明體" panose="02020509000000000000" pitchFamily="49" charset="-120"/>
+                <a:ea typeface="細明體" panose="02020509000000000000" pitchFamily="49" charset="-120"/>
+              </a:rPr>
+              <a:t>"Areas/</a:t>
+            </a:r>
+            <a:r>
+              <a:rPr lang="en-US" altLang="zh-TW" sz="1400" dirty="0" err="1">
+                <a:solidFill>
+                  <a:srgbClr val="A31515"/>
+                </a:solidFill>
+                <a:latin typeface="細明體" panose="02020509000000000000" pitchFamily="49" charset="-120"/>
+                <a:ea typeface="細明體" panose="02020509000000000000" pitchFamily="49" charset="-120"/>
+              </a:rPr>
+              <a:t>VipGamer</a:t>
+            </a:r>
+            <a:r>
+              <a:rPr lang="en-US" altLang="zh-TW" sz="1400" dirty="0">
+                <a:solidFill>
+                  <a:srgbClr val="A31515"/>
+                </a:solidFill>
+                <a:latin typeface="細明體" panose="02020509000000000000" pitchFamily="49" charset="-120"/>
+                <a:ea typeface="細明體" panose="02020509000000000000" pitchFamily="49" charset="-120"/>
+              </a:rPr>
+              <a:t>/Views/Home/</a:t>
+            </a:r>
+            <a:r>
+              <a:rPr lang="en-US" altLang="zh-TW" sz="1400" dirty="0" err="1">
+                <a:solidFill>
+                  <a:srgbClr val="A31515"/>
+                </a:solidFill>
+                <a:latin typeface="細明體" panose="02020509000000000000" pitchFamily="49" charset="-120"/>
+                <a:ea typeface="細明體" panose="02020509000000000000" pitchFamily="49" charset="-120"/>
+              </a:rPr>
+              <a:t>Index.cshtml</a:t>
+            </a:r>
+            <a:r>
+              <a:rPr lang="en-US" altLang="zh-TW" sz="1400" dirty="0">
+                <a:solidFill>
+                  <a:srgbClr val="A31515"/>
+                </a:solidFill>
+                <a:latin typeface="細明體" panose="02020509000000000000" pitchFamily="49" charset="-120"/>
+                <a:ea typeface="細明體" panose="02020509000000000000" pitchFamily="49" charset="-120"/>
+              </a:rPr>
+              <a:t>"</a:t>
+            </a:r>
+            <a:r>
+              <a:rPr lang="en-US" altLang="zh-TW" sz="1400" dirty="0">
+                <a:solidFill>
+                  <a:srgbClr val="000000"/>
+                </a:solidFill>
+                <a:latin typeface="細明體" panose="02020509000000000000" pitchFamily="49" charset="-120"/>
+                <a:ea typeface="細明體" panose="02020509000000000000" pitchFamily="49" charset="-120"/>
+              </a:rPr>
+              <a:t>, </a:t>
+            </a:r>
+            <a:r>
+              <a:rPr lang="en-US" altLang="zh-TW" sz="1400" dirty="0">
+                <a:solidFill>
+                  <a:srgbClr val="A31515"/>
+                </a:solidFill>
+                <a:latin typeface="細明體" panose="02020509000000000000" pitchFamily="49" charset="-120"/>
+                <a:ea typeface="細明體" panose="02020509000000000000" pitchFamily="49" charset="-120"/>
+              </a:rPr>
+              <a:t>"Index"</a:t>
+            </a:r>
+            <a:r>
+              <a:rPr lang="en-US" altLang="zh-TW" sz="1400" dirty="0">
+                <a:solidFill>
+                  <a:srgbClr val="000000"/>
+                </a:solidFill>
+                <a:latin typeface="細明體" panose="02020509000000000000" pitchFamily="49" charset="-120"/>
+                <a:ea typeface="細明體" panose="02020509000000000000" pitchFamily="49" charset="-120"/>
+              </a:rPr>
+              <a:t>, </a:t>
+            </a:r>
+            <a:r>
+              <a:rPr lang="en-US" altLang="zh-TW" sz="1400" dirty="0">
+                <a:solidFill>
+                  <a:srgbClr val="A31515"/>
+                </a:solidFill>
+                <a:latin typeface="細明體" panose="02020509000000000000" pitchFamily="49" charset="-120"/>
+                <a:ea typeface="細明體" panose="02020509000000000000" pitchFamily="49" charset="-120"/>
+              </a:rPr>
+              <a:t>"Home"</a:t>
+            </a:r>
+            <a:r>
+              <a:rPr lang="en-US" altLang="zh-TW" sz="1400" dirty="0">
+                <a:solidFill>
+                  <a:srgbClr val="000000"/>
+                </a:solidFill>
+                <a:latin typeface="細明體" panose="02020509000000000000" pitchFamily="49" charset="-120"/>
+                <a:ea typeface="細明體" panose="02020509000000000000" pitchFamily="49" charset="-120"/>
+              </a:rPr>
+              <a:t>, </a:t>
+            </a:r>
+            <a:r>
+              <a:rPr lang="en-US" altLang="zh-TW" sz="1400" dirty="0">
+                <a:solidFill>
+                  <a:srgbClr val="0000FF"/>
+                </a:solidFill>
+                <a:latin typeface="細明體" panose="02020509000000000000" pitchFamily="49" charset="-120"/>
+                <a:ea typeface="細明體" panose="02020509000000000000" pitchFamily="49" charset="-120"/>
+              </a:rPr>
+              <a:t>new</a:t>
+            </a:r>
+            <a:r>
+              <a:rPr lang="en-US" altLang="zh-TW" sz="1400" dirty="0">
+                <a:solidFill>
+                  <a:srgbClr val="000000"/>
+                </a:solidFill>
+                <a:latin typeface="細明體" panose="02020509000000000000" pitchFamily="49" charset="-120"/>
+                <a:ea typeface="細明體" panose="02020509000000000000" pitchFamily="49" charset="-120"/>
+              </a:rPr>
+              <a:t> { area = </a:t>
+            </a:r>
+            <a:r>
+              <a:rPr lang="en-US" altLang="zh-TW" sz="1400" dirty="0">
+                <a:solidFill>
+                  <a:srgbClr val="A31515"/>
+                </a:solidFill>
+                <a:latin typeface="細明體" panose="02020509000000000000" pitchFamily="49" charset="-120"/>
+                <a:ea typeface="細明體" panose="02020509000000000000" pitchFamily="49" charset="-120"/>
+              </a:rPr>
+              <a:t>"</a:t>
+            </a:r>
+            <a:r>
+              <a:rPr lang="en-US" altLang="zh-TW" sz="1400" dirty="0" err="1">
+                <a:solidFill>
+                  <a:srgbClr val="A31515"/>
+                </a:solidFill>
+                <a:latin typeface="細明體" panose="02020509000000000000" pitchFamily="49" charset="-120"/>
+                <a:ea typeface="細明體" panose="02020509000000000000" pitchFamily="49" charset="-120"/>
+              </a:rPr>
+              <a:t>VipGamer</a:t>
+            </a:r>
+            <a:r>
+              <a:rPr lang="en-US" altLang="zh-TW" sz="1400" dirty="0">
+                <a:solidFill>
+                  <a:srgbClr val="A31515"/>
+                </a:solidFill>
+                <a:latin typeface="細明體" panose="02020509000000000000" pitchFamily="49" charset="-120"/>
+                <a:ea typeface="細明體" panose="02020509000000000000" pitchFamily="49" charset="-120"/>
+              </a:rPr>
+              <a:t>"</a:t>
+            </a:r>
+            <a:r>
+              <a:rPr lang="en-US" altLang="zh-TW" sz="1400" dirty="0">
+                <a:solidFill>
+                  <a:srgbClr val="000000"/>
+                </a:solidFill>
+                <a:latin typeface="細明體" panose="02020509000000000000" pitchFamily="49" charset="-120"/>
+                <a:ea typeface="細明體" panose="02020509000000000000" pitchFamily="49" charset="-120"/>
+              </a:rPr>
+              <a:t> }, </a:t>
+            </a:r>
+            <a:r>
+              <a:rPr lang="en-US" altLang="zh-TW" sz="1400" dirty="0">
+                <a:solidFill>
+                  <a:srgbClr val="0000FF"/>
+                </a:solidFill>
+                <a:latin typeface="細明體" panose="02020509000000000000" pitchFamily="49" charset="-120"/>
+                <a:ea typeface="細明體" panose="02020509000000000000" pitchFamily="49" charset="-120"/>
+              </a:rPr>
+              <a:t>null</a:t>
+            </a:r>
+            <a:r>
+              <a:rPr lang="en-US" altLang="zh-TW" sz="1400" dirty="0">
+                <a:solidFill>
+                  <a:srgbClr val="000000"/>
+                </a:solidFill>
+                <a:latin typeface="細明體" panose="02020509000000000000" pitchFamily="49" charset="-120"/>
+                <a:ea typeface="細明體" panose="02020509000000000000" pitchFamily="49" charset="-120"/>
+              </a:rPr>
+              <a:t>) </a:t>
+            </a:r>
+            <a:r>
+              <a:rPr lang="en-US" altLang="zh-TW" sz="1400" dirty="0">
+                <a:solidFill>
+                  <a:srgbClr val="0000FF"/>
+                </a:solidFill>
+                <a:latin typeface="細明體" panose="02020509000000000000" pitchFamily="49" charset="-120"/>
+                <a:ea typeface="細明體" panose="02020509000000000000" pitchFamily="49" charset="-120"/>
+              </a:rPr>
+              <a:t>&lt;</a:t>
+            </a:r>
+            <a:r>
+              <a:rPr lang="en-US" altLang="zh-TW" sz="1400" dirty="0" err="1">
+                <a:solidFill>
+                  <a:srgbClr val="800000"/>
+                </a:solidFill>
+                <a:latin typeface="細明體" panose="02020509000000000000" pitchFamily="49" charset="-120"/>
+                <a:ea typeface="細明體" panose="02020509000000000000" pitchFamily="49" charset="-120"/>
+              </a:rPr>
+              <a:t>br</a:t>
+            </a:r>
+            <a:r>
+              <a:rPr lang="en-US" altLang="zh-TW" sz="1400" dirty="0">
+                <a:solidFill>
+                  <a:srgbClr val="000000"/>
+                </a:solidFill>
+                <a:latin typeface="細明體" panose="02020509000000000000" pitchFamily="49" charset="-120"/>
+                <a:ea typeface="細明體" panose="02020509000000000000" pitchFamily="49" charset="-120"/>
+              </a:rPr>
+              <a:t> </a:t>
+            </a:r>
+            <a:r>
+              <a:rPr lang="en-US" altLang="zh-TW" sz="1400" dirty="0">
+                <a:solidFill>
+                  <a:srgbClr val="0000FF"/>
+                </a:solidFill>
+                <a:latin typeface="細明體" panose="02020509000000000000" pitchFamily="49" charset="-120"/>
+                <a:ea typeface="細明體" panose="02020509000000000000" pitchFamily="49" charset="-120"/>
+              </a:rPr>
+              <a:t>/&gt;</a:t>
+            </a:r>
+            <a:endParaRPr lang="en-US" altLang="zh-TW" sz="1400" dirty="0">
+              <a:solidFill>
+                <a:srgbClr val="000000"/>
+              </a:solidFill>
+              <a:latin typeface="細明體" panose="02020509000000000000" pitchFamily="49" charset="-120"/>
+              <a:ea typeface="細明體" panose="02020509000000000000" pitchFamily="49" charset="-120"/>
+            </a:endParaRPr>
+          </a:p>
+          <a:p>
+            <a:r>
+              <a:rPr lang="en-US" altLang="zh-TW" sz="1400" dirty="0">
+                <a:solidFill>
+                  <a:srgbClr val="000000"/>
+                </a:solidFill>
+                <a:latin typeface="細明體" panose="02020509000000000000" pitchFamily="49" charset="-120"/>
+                <a:ea typeface="細明體" panose="02020509000000000000" pitchFamily="49" charset="-120"/>
+              </a:rPr>
+              <a:t>@</a:t>
+            </a:r>
+            <a:r>
+              <a:rPr lang="en-US" altLang="zh-TW" sz="1400" dirty="0" err="1">
+                <a:solidFill>
+                  <a:srgbClr val="000000"/>
+                </a:solidFill>
+                <a:latin typeface="細明體" panose="02020509000000000000" pitchFamily="49" charset="-120"/>
+                <a:ea typeface="細明體" panose="02020509000000000000" pitchFamily="49" charset="-120"/>
+              </a:rPr>
+              <a:t>Html.ActionLink</a:t>
+            </a:r>
+            <a:r>
+              <a:rPr lang="en-US" altLang="zh-TW" sz="1400" dirty="0">
+                <a:solidFill>
+                  <a:srgbClr val="000000"/>
+                </a:solidFill>
+                <a:latin typeface="細明體" panose="02020509000000000000" pitchFamily="49" charset="-120"/>
+                <a:ea typeface="細明體" panose="02020509000000000000" pitchFamily="49" charset="-120"/>
+              </a:rPr>
+              <a:t>(</a:t>
+            </a:r>
+            <a:r>
+              <a:rPr lang="en-US" altLang="zh-TW" sz="1400" dirty="0">
+                <a:solidFill>
+                  <a:srgbClr val="A31515"/>
+                </a:solidFill>
+                <a:latin typeface="細明體" panose="02020509000000000000" pitchFamily="49" charset="-120"/>
+                <a:ea typeface="細明體" panose="02020509000000000000" pitchFamily="49" charset="-120"/>
+              </a:rPr>
+              <a:t>"Areas/Admin/Views/Home/</a:t>
+            </a:r>
+            <a:r>
+              <a:rPr lang="en-US" altLang="zh-TW" sz="1400" dirty="0" err="1">
+                <a:solidFill>
+                  <a:srgbClr val="A31515"/>
+                </a:solidFill>
+                <a:latin typeface="細明體" panose="02020509000000000000" pitchFamily="49" charset="-120"/>
+                <a:ea typeface="細明體" panose="02020509000000000000" pitchFamily="49" charset="-120"/>
+              </a:rPr>
+              <a:t>Index.cshtml</a:t>
+            </a:r>
+            <a:r>
+              <a:rPr lang="en-US" altLang="zh-TW" sz="1400" dirty="0">
+                <a:solidFill>
+                  <a:srgbClr val="A31515"/>
+                </a:solidFill>
+                <a:latin typeface="細明體" panose="02020509000000000000" pitchFamily="49" charset="-120"/>
+                <a:ea typeface="細明體" panose="02020509000000000000" pitchFamily="49" charset="-120"/>
+              </a:rPr>
+              <a:t>"</a:t>
+            </a:r>
+            <a:r>
+              <a:rPr lang="en-US" altLang="zh-TW" sz="1400" dirty="0">
+                <a:solidFill>
+                  <a:srgbClr val="000000"/>
+                </a:solidFill>
+                <a:latin typeface="細明體" panose="02020509000000000000" pitchFamily="49" charset="-120"/>
+                <a:ea typeface="細明體" panose="02020509000000000000" pitchFamily="49" charset="-120"/>
+              </a:rPr>
+              <a:t>, </a:t>
+            </a:r>
+            <a:r>
+              <a:rPr lang="en-US" altLang="zh-TW" sz="1400" dirty="0">
+                <a:solidFill>
+                  <a:srgbClr val="A31515"/>
+                </a:solidFill>
+                <a:latin typeface="細明體" panose="02020509000000000000" pitchFamily="49" charset="-120"/>
+                <a:ea typeface="細明體" panose="02020509000000000000" pitchFamily="49" charset="-120"/>
+              </a:rPr>
+              <a:t>"Index"</a:t>
+            </a:r>
+            <a:r>
+              <a:rPr lang="en-US" altLang="zh-TW" sz="1400" dirty="0">
+                <a:solidFill>
+                  <a:srgbClr val="000000"/>
+                </a:solidFill>
+                <a:latin typeface="細明體" panose="02020509000000000000" pitchFamily="49" charset="-120"/>
+                <a:ea typeface="細明體" panose="02020509000000000000" pitchFamily="49" charset="-120"/>
+              </a:rPr>
+              <a:t>, </a:t>
+            </a:r>
+            <a:r>
+              <a:rPr lang="en-US" altLang="zh-TW" sz="1400" dirty="0">
+                <a:solidFill>
+                  <a:srgbClr val="A31515"/>
+                </a:solidFill>
+                <a:latin typeface="細明體" panose="02020509000000000000" pitchFamily="49" charset="-120"/>
+                <a:ea typeface="細明體" panose="02020509000000000000" pitchFamily="49" charset="-120"/>
+              </a:rPr>
+              <a:t>"Home"</a:t>
+            </a:r>
+            <a:r>
+              <a:rPr lang="en-US" altLang="zh-TW" sz="1400" dirty="0">
+                <a:solidFill>
+                  <a:srgbClr val="000000"/>
+                </a:solidFill>
+                <a:latin typeface="細明體" panose="02020509000000000000" pitchFamily="49" charset="-120"/>
+                <a:ea typeface="細明體" panose="02020509000000000000" pitchFamily="49" charset="-120"/>
+              </a:rPr>
+              <a:t>, </a:t>
+            </a:r>
+            <a:r>
+              <a:rPr lang="en-US" altLang="zh-TW" sz="1400" dirty="0">
+                <a:solidFill>
+                  <a:srgbClr val="0000FF"/>
+                </a:solidFill>
+                <a:latin typeface="細明體" panose="02020509000000000000" pitchFamily="49" charset="-120"/>
+                <a:ea typeface="細明體" panose="02020509000000000000" pitchFamily="49" charset="-120"/>
+              </a:rPr>
+              <a:t>new</a:t>
+            </a:r>
+            <a:r>
+              <a:rPr lang="en-US" altLang="zh-TW" sz="1400" dirty="0">
+                <a:solidFill>
+                  <a:srgbClr val="000000"/>
+                </a:solidFill>
+                <a:latin typeface="細明體" panose="02020509000000000000" pitchFamily="49" charset="-120"/>
+                <a:ea typeface="細明體" panose="02020509000000000000" pitchFamily="49" charset="-120"/>
+              </a:rPr>
+              <a:t> { area = </a:t>
+            </a:r>
+            <a:r>
+              <a:rPr lang="en-US" altLang="zh-TW" sz="1400" dirty="0">
+                <a:solidFill>
+                  <a:srgbClr val="A31515"/>
+                </a:solidFill>
+                <a:latin typeface="細明體" panose="02020509000000000000" pitchFamily="49" charset="-120"/>
+                <a:ea typeface="細明體" panose="02020509000000000000" pitchFamily="49" charset="-120"/>
+              </a:rPr>
+              <a:t>"Admin"</a:t>
+            </a:r>
+            <a:r>
+              <a:rPr lang="en-US" altLang="zh-TW" sz="1400" dirty="0">
+                <a:solidFill>
+                  <a:srgbClr val="000000"/>
+                </a:solidFill>
+                <a:latin typeface="細明體" panose="02020509000000000000" pitchFamily="49" charset="-120"/>
+                <a:ea typeface="細明體" panose="02020509000000000000" pitchFamily="49" charset="-120"/>
+              </a:rPr>
+              <a:t> }, </a:t>
+            </a:r>
+            <a:r>
+              <a:rPr lang="en-US" altLang="zh-TW" sz="1400" dirty="0">
+                <a:solidFill>
+                  <a:srgbClr val="0000FF"/>
+                </a:solidFill>
+                <a:latin typeface="細明體" panose="02020509000000000000" pitchFamily="49" charset="-120"/>
+                <a:ea typeface="細明體" panose="02020509000000000000" pitchFamily="49" charset="-120"/>
+              </a:rPr>
+              <a:t>null</a:t>
+            </a:r>
+            <a:r>
+              <a:rPr lang="en-US" altLang="zh-TW" sz="1400" dirty="0">
+                <a:solidFill>
+                  <a:srgbClr val="000000"/>
+                </a:solidFill>
+                <a:latin typeface="細明體" panose="02020509000000000000" pitchFamily="49" charset="-120"/>
+                <a:ea typeface="細明體" panose="02020509000000000000" pitchFamily="49" charset="-120"/>
+              </a:rPr>
+              <a:t>) </a:t>
+            </a:r>
+            <a:r>
+              <a:rPr lang="en-US" altLang="zh-TW" sz="1400" dirty="0">
+                <a:solidFill>
+                  <a:srgbClr val="0000FF"/>
+                </a:solidFill>
+                <a:latin typeface="細明體" panose="02020509000000000000" pitchFamily="49" charset="-120"/>
+                <a:ea typeface="細明體" panose="02020509000000000000" pitchFamily="49" charset="-120"/>
+              </a:rPr>
+              <a:t>&lt;</a:t>
+            </a:r>
+            <a:r>
+              <a:rPr lang="en-US" altLang="zh-TW" sz="1400" dirty="0" err="1">
+                <a:solidFill>
+                  <a:srgbClr val="800000"/>
+                </a:solidFill>
+                <a:latin typeface="細明體" panose="02020509000000000000" pitchFamily="49" charset="-120"/>
+                <a:ea typeface="細明體" panose="02020509000000000000" pitchFamily="49" charset="-120"/>
+              </a:rPr>
+              <a:t>br</a:t>
+            </a:r>
+            <a:r>
+              <a:rPr lang="en-US" altLang="zh-TW" sz="1400" dirty="0">
+                <a:solidFill>
+                  <a:srgbClr val="000000"/>
+                </a:solidFill>
+                <a:latin typeface="細明體" panose="02020509000000000000" pitchFamily="49" charset="-120"/>
+                <a:ea typeface="細明體" panose="02020509000000000000" pitchFamily="49" charset="-120"/>
+              </a:rPr>
+              <a:t> </a:t>
+            </a:r>
+            <a:r>
+              <a:rPr lang="en-US" altLang="zh-TW" sz="1400" dirty="0">
+                <a:solidFill>
+                  <a:srgbClr val="0000FF"/>
+                </a:solidFill>
+                <a:latin typeface="細明體" panose="02020509000000000000" pitchFamily="49" charset="-120"/>
+                <a:ea typeface="細明體" panose="02020509000000000000" pitchFamily="49" charset="-120"/>
+              </a:rPr>
+              <a:t>/&gt;</a:t>
+            </a:r>
+            <a:endParaRPr lang="zh-TW" altLang="en-US" sz="1400" dirty="0"/>
+          </a:p>
+        </p:txBody>
+      </p:sp>
+      <p:pic>
+        <p:nvPicPr>
+          <p:cNvPr id="5" name="ch18_ActionResultSubClass">
+            <a:hlinkClick r:id="" action="ppaction://media"/>
+            <a:extLst>
+              <a:ext uri="{FF2B5EF4-FFF2-40B4-BE49-F238E27FC236}">
+                <a16:creationId xmlns:a16="http://schemas.microsoft.com/office/drawing/2014/main" id="{39C2B3C6-366A-4C7D-BAF9-526BCCCDBE94}"/>
+              </a:ext>
+            </a:extLst>
+          </p:cNvPr>
+          <p:cNvPicPr>
+            <a:picLocks noChangeAspect="1"/>
+          </p:cNvPicPr>
+          <p:nvPr>
+            <a:videoFile r:link="rId2"/>
+            <p:extLst>
+              <p:ext uri="{DAA4B4D4-6D71-4841-9C94-3DE7FCFB9230}">
+                <p14:media xmlns:p14="http://schemas.microsoft.com/office/powerpoint/2010/main" r:embed="rId1"/>
+              </p:ext>
+            </p:extLst>
+          </p:nvPr>
+        </p:nvPicPr>
+        <p:blipFill>
+          <a:blip r:embed="rId4"/>
+          <a:stretch>
+            <a:fillRect/>
+          </a:stretch>
+        </p:blipFill>
+        <p:spPr>
+          <a:xfrm>
+            <a:off x="385894" y="1810719"/>
+            <a:ext cx="9194334" cy="4597167"/>
+          </a:xfrm>
+          <a:prstGeom prst="rect">
+            <a:avLst/>
+          </a:prstGeom>
+        </p:spPr>
+      </p:pic>
+    </p:spTree>
+    <p:extLst>
+      <p:ext uri="{BB962C8B-B14F-4D97-AF65-F5344CB8AC3E}">
+        <p14:creationId xmlns:p14="http://schemas.microsoft.com/office/powerpoint/2010/main" val="56330724"/>
+      </p:ext>
+    </p:extLst>
+  </p:cSld>
+  <p:clrMapOvr>
+    <a:masterClrMapping/>
+  </p:clrMapOvr>
+  <mc:AlternateContent xmlns:mc="http://schemas.openxmlformats.org/markup-compatibility/2006" xmlns:p14="http://schemas.microsoft.com/office/powerpoint/2010/main">
+    <mc:Choice Requires="p14">
+      <p:transition spd="med" p14:dur="700">
+        <p:fade/>
+      </p:transition>
+    </mc:Choice>
+    <mc:Fallback xmlns="">
+      <p:transition spd="med">
+        <p:fade/>
+      </p:transition>
+    </mc:Fallback>
+  </mc:AlternateContent>
+  <p:timing>
+    <p:tnLst>
+      <p:par>
+        <p:cTn id="1" dur="indefinite" restart="never" nodeType="tmRoot">
+          <p:childTnLst>
+            <p:seq concurrent="1" nextAc="seek">
+              <p:cTn id="2" restart="whenNotActive" fill="hold" evtFilter="cancelBubble" nodeType="interactiveSeq">
+                <p:stCondLst>
+                  <p:cond evt="onClick" delay="0">
+                    <p:tgtEl>
+                      <p:spTgt spid="5"/>
+                    </p:tgtEl>
+                  </p:cond>
+                </p:stCondLst>
+                <p:endSync evt="end" delay="0">
+                  <p:rtn val="all"/>
+                </p:endSync>
+                <p:childTnLst>
+                  <p:par>
+                    <p:cTn id="3" fill="hold">
+                      <p:stCondLst>
+                        <p:cond delay="0"/>
+                      </p:stCondLst>
+                      <p:childTnLst>
+                        <p:par>
+                          <p:cTn id="4" fill="hold">
+                            <p:stCondLst>
+                              <p:cond delay="0"/>
+                            </p:stCondLst>
+                            <p:childTnLst>
+                              <p:par>
+                                <p:cTn id="5" presetID="2" presetClass="mediacall" presetSubtype="0" fill="hold" nodeType="clickEffect">
+                                  <p:stCondLst>
+                                    <p:cond delay="0"/>
+                                  </p:stCondLst>
+                                  <p:childTnLst>
+                                    <p:cmd type="call" cmd="togglePause">
+                                      <p:cBhvr>
+                                        <p:cTn id="6" dur="1" fill="hold"/>
+                                        <p:tgtEl>
+                                          <p:spTgt spid="5"/>
+                                        </p:tgtEl>
+                                      </p:cBhvr>
+                                    </p:cmd>
+                                  </p:childTnLst>
+                                </p:cTn>
+                              </p:par>
+                            </p:childTnLst>
+                          </p:cTn>
+                        </p:par>
+                      </p:childTnLst>
+                    </p:cTn>
+                  </p:par>
+                </p:childTnLst>
+              </p:cTn>
+              <p:nextCondLst>
+                <p:cond evt="onClick" delay="0">
+                  <p:tgtEl>
+                    <p:spTgt spid="5"/>
+                  </p:tgtEl>
+                </p:cond>
+              </p:nextCondLst>
+            </p:seq>
+            <p:video>
+              <p:cMediaNode vol="80000">
+                <p:cTn id="7" fill="hold" display="0">
+                  <p:stCondLst>
+                    <p:cond delay="indefinite"/>
+                  </p:stCondLst>
+                </p:cTn>
+                <p:tgtEl>
+                  <p:spTgt spid="5"/>
                 </p:tgtEl>
               </p:cMediaNode>
             </p:video>

--- a/現代 .Net 開發者之路 - MVC 完全精通.pptx
+++ b/現代 .Net 開發者之路 - MVC 完全精通.pptx
@@ -5,10 +5,10 @@
     <p:sldMasterId id="2147483696" r:id="rId1"/>
   </p:sldMasterIdLst>
   <p:notesMasterIdLst>
-    <p:notesMasterId r:id="rId10"/>
+    <p:notesMasterId r:id="rId11"/>
   </p:notesMasterIdLst>
   <p:handoutMasterIdLst>
-    <p:handoutMasterId r:id="rId11"/>
+    <p:handoutMasterId r:id="rId12"/>
   </p:handoutMasterIdLst>
   <p:sldIdLst>
     <p:sldId id="257" r:id="rId2"/>
@@ -19,12 +19,13 @@
     <p:sldId id="262" r:id="rId7"/>
     <p:sldId id="263" r:id="rId8"/>
     <p:sldId id="264" r:id="rId9"/>
+    <p:sldId id="265" r:id="rId10"/>
   </p:sldIdLst>
   <p:sldSz cx="12192000" cy="6858000"/>
   <p:notesSz cx="6858000" cy="9144000"/>
   <p:defaultTextStyle>
     <a:defPPr rtl="0">
-      <a:defRPr lang="zh-tw"/>
+      <a:defRPr lang="zh-TW"/>
     </a:defPPr>
     <a:lvl1pPr marL="0" algn="l" defTabSz="914400" rtl="0" eaLnBrk="1" latinLnBrk="0" hangingPunct="1">
       <a:defRPr sz="1800" kern="1200">
@@ -119,7 +120,7 @@
   </p:defaultTextStyle>
   <p:extLst>
     <p:ext uri="{EFAFB233-063F-42B5-8137-9DF3F51BA10A}">
-      <p15:sldGuideLst xmlns:p15="http://schemas.microsoft.com/office/powerpoint/2012/main">
+      <p15:sldGuideLst xmlns:p15="http://schemas.microsoft.com/office/powerpoint/2012/main" xmlns="">
         <p15:guide id="1" orient="horz" pos="2160" userDrawn="1">
           <p15:clr>
             <a:srgbClr val="A4A3A4"/>
@@ -143,7 +144,7 @@
       </p15:sldGuideLst>
     </p:ext>
     <p:ext uri="{2D200454-40CA-4A62-9FC3-DE9A4176ACB9}">
-      <p15:notesGuideLst xmlns:p15="http://schemas.microsoft.com/office/powerpoint/2012/main"/>
+      <p15:notesGuideLst xmlns:p15="http://schemas.microsoft.com/office/powerpoint/2012/main" xmlns=""/>
     </p:ext>
   </p:extLst>
 </p:presentation>
@@ -243,7 +244,7 @@
                 <a:latin typeface="Microsoft JhengHei UI" panose="020B0604030504040204" pitchFamily="34" charset="-120"/>
                 <a:ea typeface="Microsoft JhengHei UI" panose="020B0604030504040204" pitchFamily="34" charset="-120"/>
               </a:rPr>
-              <a:t>2018年5月3日</a:t>
+              <a:t>2018年5月7日</a:t>
             </a:fld>
             <a:endParaRPr lang="zh-TW" altLang="en-US" dirty="0">
               <a:latin typeface="Microsoft JhengHei UI" panose="020B0604030504040204" pitchFamily="34" charset="-120"/>
@@ -430,7 +431,7 @@
             <a:fld id="{71311F18-D970-4D7B-B098-1E7546817641}" type="datetime2">
               <a:rPr lang="zh-TW" altLang="en-US" smtClean="0"/>
               <a:pPr/>
-              <a:t>2018年5月3日</a:t>
+              <a:t>2018年5月7日</a:t>
             </a:fld>
             <a:endParaRPr lang="zh-TW" altLang="en-US" dirty="0"/>
           </a:p>
@@ -1636,7 +1637,7 @@
             <a:pPr rtl="0"/>
             <a:fld id="{D680CC22-4E9F-4C64-95EA-15180CEA148A}" type="datetime2">
               <a:rPr lang="zh-TW" altLang="en-US" smtClean="0"/>
-              <a:t>2018年5月3日</a:t>
+              <a:t>2018年5月7日</a:t>
             </a:fld>
             <a:endParaRPr lang="zh-TW" altLang="en-US" dirty="0"/>
           </a:p>
@@ -1845,7 +1846,7 @@
             <a:pPr rtl="0"/>
             <a:fld id="{75CFB655-E279-4DE7-AFF4-4A3FE36E3A57}" type="datetime2">
               <a:rPr lang="zh-TW" altLang="en-US" smtClean="0"/>
-              <a:t>2018年5月3日</a:t>
+              <a:t>2018年5月7日</a:t>
             </a:fld>
             <a:endParaRPr lang="zh-TW" altLang="en-US" dirty="0"/>
           </a:p>
@@ -2055,7 +2056,7 @@
             <a:pPr rtl="0"/>
             <a:fld id="{3F7E4AE4-EFA9-4FD9-A229-004A31E547D5}" type="datetime2">
               <a:rPr lang="zh-TW" altLang="en-US" smtClean="0"/>
-              <a:t>2018年5月3日</a:t>
+              <a:t>2018年5月7日</a:t>
             </a:fld>
             <a:endParaRPr lang="zh-TW" altLang="en-US" dirty="0"/>
           </a:p>
@@ -2254,7 +2255,7 @@
             <a:pPr rtl="0"/>
             <a:fld id="{AB44B7CC-4AA8-43B8-AE83-02691DCDABC3}" type="datetime2">
               <a:rPr lang="zh-TW" altLang="en-US" smtClean="0"/>
-              <a:t>2018年5月3日</a:t>
+              <a:t>2018年5月7日</a:t>
             </a:fld>
             <a:endParaRPr lang="zh-TW" altLang="en-US" dirty="0"/>
           </a:p>
@@ -2493,7 +2494,7 @@
             <a:pPr rtl="0"/>
             <a:fld id="{D1572BCF-2FF2-4C6E-B5A8-E6DE1AF4B961}" type="datetime2">
               <a:rPr lang="zh-TW" altLang="en-US" smtClean="0"/>
-              <a:t>2018年5月3日</a:t>
+              <a:t>2018年5月7日</a:t>
             </a:fld>
             <a:endParaRPr lang="zh-TW" altLang="en-US" dirty="0"/>
           </a:p>
@@ -2776,7 +2777,7 @@
             <a:pPr rtl="0"/>
             <a:fld id="{46F4FBF5-CDC6-4057-A311-5C521C8F5DB8}" type="datetime2">
               <a:rPr lang="zh-TW" altLang="en-US" smtClean="0"/>
-              <a:t>2018年5月3日</a:t>
+              <a:t>2018年5月7日</a:t>
             </a:fld>
             <a:endParaRPr lang="zh-TW" altLang="en-US" dirty="0"/>
           </a:p>
@@ -2830,7 +2831,7 @@
   </mc:AlternateContent>
   <p:extLst mod="1">
     <p:ext uri="{DCECCB84-F9BA-43D5-87BE-67443E8EF086}">
-      <p15:sldGuideLst xmlns:p15="http://schemas.microsoft.com/office/powerpoint/2012/main">
+      <p15:sldGuideLst xmlns:p15="http://schemas.microsoft.com/office/powerpoint/2012/main" xmlns="">
         <p15:guide id="0" orient="horz" pos="2160" userDrawn="1">
           <p15:clr>
             <a:srgbClr val="FBAE40"/>
@@ -3222,7 +3223,7 @@
             <a:pPr rtl="0"/>
             <a:fld id="{333E8C17-4C3B-4AED-BB36-C741E1DC4CDE}" type="datetime2">
               <a:rPr lang="zh-TW" altLang="en-US" smtClean="0"/>
-              <a:t>2018年5月3日</a:t>
+              <a:t>2018年5月7日</a:t>
             </a:fld>
             <a:endParaRPr lang="zh-TW" altLang="en-US" dirty="0"/>
           </a:p>
@@ -3382,7 +3383,7 @@
             <a:pPr rtl="0"/>
             <a:fld id="{A274F4D4-41C4-43DF-B10D-F70E9B50FCC2}" type="datetime2">
               <a:rPr lang="zh-TW" altLang="en-US" smtClean="0"/>
-              <a:t>2018年5月3日</a:t>
+              <a:t>2018年5月7日</a:t>
             </a:fld>
             <a:endParaRPr lang="zh-TW" altLang="en-US" dirty="0"/>
           </a:p>
@@ -3500,7 +3501,7 @@
             <a:pPr rtl="0"/>
             <a:fld id="{FE0D8C69-8E88-4B86-8CF3-2D8ABB71F89F}" type="datetime2">
               <a:rPr lang="zh-TW" altLang="en-US" smtClean="0"/>
-              <a:t>2018年5月3日</a:t>
+              <a:t>2018年5月7日</a:t>
             </a:fld>
             <a:endParaRPr lang="zh-TW" altLang="en-US" dirty="0"/>
           </a:p>
@@ -3768,7 +3769,7 @@
             <a:pPr rtl="0"/>
             <a:fld id="{985A7139-9615-44C0-8E48-7B3A81ED52C4}" type="datetime2">
               <a:rPr lang="zh-TW" altLang="en-US" smtClean="0"/>
-              <a:t>2018年5月3日</a:t>
+              <a:t>2018年5月7日</a:t>
             </a:fld>
             <a:endParaRPr lang="zh-TW" altLang="en-US" dirty="0"/>
           </a:p>
@@ -4037,7 +4038,7 @@
             <a:pPr rtl="0"/>
             <a:fld id="{4CD70A3B-5055-4ACA-8D9E-69847E896869}" type="datetime2">
               <a:rPr lang="zh-TW" altLang="en-US" smtClean="0"/>
-              <a:t>2018年5月3日</a:t>
+              <a:t>2018年5月7日</a:t>
             </a:fld>
             <a:endParaRPr lang="zh-TW" altLang="en-US" dirty="0"/>
           </a:p>
@@ -4945,7 +4946,7 @@
             <a:fld id="{12233221-9E5A-44E3-8D2A-51D4D9EBD76D}" type="datetime2">
               <a:rPr lang="zh-TW" altLang="en-US" smtClean="0"/>
               <a:pPr/>
-              <a:t>2018年5月3日</a:t>
+              <a:t>2018年5月7日</a:t>
             </a:fld>
             <a:endParaRPr lang="zh-TW" altLang="en-US" dirty="0"/>
           </a:p>
@@ -5321,7 +5322,7 @@
   </p:txStyles>
   <p:extLst mod="1">
     <p:ext uri="{27BBF7A9-308A-43DC-89C8-2F10F3537804}">
-      <p15:sldGuideLst xmlns:p15="http://schemas.microsoft.com/office/powerpoint/2012/main">
+      <p15:sldGuideLst xmlns:p15="http://schemas.microsoft.com/office/powerpoint/2012/main" xmlns="">
         <p15:guide id="0" orient="horz" pos="2160" userDrawn="1">
           <p15:clr>
             <a:srgbClr val="F26B43"/>
@@ -5417,12 +5418,21 @@
             <p:ph type="subTitle" idx="1"/>
           </p:nvPr>
         </p:nvSpPr>
-        <p:spPr/>
+        <p:spPr>
+          <a:xfrm>
+            <a:off x="10409208" y="5771870"/>
+            <a:ext cx="1348596" cy="542665"/>
+          </a:xfrm>
+        </p:spPr>
         <p:txBody>
           <a:bodyPr rtlCol="0"/>
           <a:lstStyle/>
           <a:p>
             <a:pPr rtl="0"/>
+            <a:r>
+              <a:rPr lang="zh-TW" altLang="en-US" dirty="0" smtClean="0"/>
+              <a:t>陳彥如</a:t>
+            </a:r>
             <a:endParaRPr lang="zh-TW" altLang="en-US" dirty="0"/>
           </a:p>
         </p:txBody>
@@ -5545,7 +5555,7 @@
           <p:cNvPr id="4" name="矩形 3">
             <a:extLst>
               <a:ext uri="{FF2B5EF4-FFF2-40B4-BE49-F238E27FC236}">
-                <a16:creationId xmlns:a16="http://schemas.microsoft.com/office/drawing/2014/main" id="{3C72E475-814B-4F8B-9FFD-D80D53CE53D2}"/>
+                <a16:creationId xmlns:a16="http://schemas.microsoft.com/office/drawing/2014/main" xmlns="" id="{3C72E475-814B-4F8B-9FFD-D80D53CE53D2}"/>
               </a:ext>
             </a:extLst>
           </p:cNvPr>
@@ -5724,7 +5734,7 @@
             <a:hlinkClick r:id="" action="ppaction://media"/>
             <a:extLst>
               <a:ext uri="{FF2B5EF4-FFF2-40B4-BE49-F238E27FC236}">
-                <a16:creationId xmlns:a16="http://schemas.microsoft.com/office/drawing/2014/main" id="{0A404AFB-E9D2-4C11-90A7-7D71C3887FE4}"/>
+                <a16:creationId xmlns:a16="http://schemas.microsoft.com/office/drawing/2014/main" xmlns="" id="{0A404AFB-E9D2-4C11-90A7-7D71C3887FE4}"/>
               </a:ext>
             </a:extLst>
           </p:cNvPr>
@@ -5883,7 +5893,7 @@
           <p:cNvPr id="7" name="矩形 6">
             <a:extLst>
               <a:ext uri="{FF2B5EF4-FFF2-40B4-BE49-F238E27FC236}">
-                <a16:creationId xmlns:a16="http://schemas.microsoft.com/office/drawing/2014/main" id="{26549078-88E7-46DE-9C94-471946F3E4FE}"/>
+                <a16:creationId xmlns:a16="http://schemas.microsoft.com/office/drawing/2014/main" xmlns="" id="{26549078-88E7-46DE-9C94-471946F3E4FE}"/>
               </a:ext>
             </a:extLst>
           </p:cNvPr>
@@ -6104,7 +6114,7 @@
             <a:hlinkClick r:id="" action="ppaction://media"/>
             <a:extLst>
               <a:ext uri="{FF2B5EF4-FFF2-40B4-BE49-F238E27FC236}">
-                <a16:creationId xmlns:a16="http://schemas.microsoft.com/office/drawing/2014/main" id="{D01961E4-0BB1-4718-AD30-FBE0786CC1FF}"/>
+                <a16:creationId xmlns:a16="http://schemas.microsoft.com/office/drawing/2014/main" xmlns="" id="{D01961E4-0BB1-4718-AD30-FBE0786CC1FF}"/>
               </a:ext>
             </a:extLst>
           </p:cNvPr>
@@ -6263,7 +6273,7 @@
           <p:cNvPr id="4" name="矩形 3">
             <a:extLst>
               <a:ext uri="{FF2B5EF4-FFF2-40B4-BE49-F238E27FC236}">
-                <a16:creationId xmlns:a16="http://schemas.microsoft.com/office/drawing/2014/main" id="{CC62A252-B491-4259-87BA-2E30F9F6F99A}"/>
+                <a16:creationId xmlns:a16="http://schemas.microsoft.com/office/drawing/2014/main" xmlns="" id="{CC62A252-B491-4259-87BA-2E30F9F6F99A}"/>
               </a:ext>
             </a:extLst>
           </p:cNvPr>
@@ -6453,7 +6463,7 @@
             <a:hlinkClick r:id="" action="ppaction://media"/>
             <a:extLst>
               <a:ext uri="{FF2B5EF4-FFF2-40B4-BE49-F238E27FC236}">
-                <a16:creationId xmlns:a16="http://schemas.microsoft.com/office/drawing/2014/main" id="{9C936DEB-7248-4434-95B9-3F0742673E2B}"/>
+                <a16:creationId xmlns:a16="http://schemas.microsoft.com/office/drawing/2014/main" xmlns="" id="{9C936DEB-7248-4434-95B9-3F0742673E2B}"/>
               </a:ext>
             </a:extLst>
           </p:cNvPr>
@@ -6612,7 +6622,7 @@
           <p:cNvPr id="4" name="矩形 3">
             <a:extLst>
               <a:ext uri="{FF2B5EF4-FFF2-40B4-BE49-F238E27FC236}">
-                <a16:creationId xmlns:a16="http://schemas.microsoft.com/office/drawing/2014/main" id="{A4B74858-3D74-4077-B6BC-5A310519DCBA}"/>
+                <a16:creationId xmlns:a16="http://schemas.microsoft.com/office/drawing/2014/main" xmlns="" id="{A4B74858-3D74-4077-B6BC-5A310519DCBA}"/>
               </a:ext>
             </a:extLst>
           </p:cNvPr>
@@ -6904,7 +6914,7 @@
             <a:hlinkClick r:id="" action="ppaction://media"/>
             <a:extLst>
               <a:ext uri="{FF2B5EF4-FFF2-40B4-BE49-F238E27FC236}">
-                <a16:creationId xmlns:a16="http://schemas.microsoft.com/office/drawing/2014/main" id="{E3234FDC-E82F-4B94-9749-F137BF2F60F1}"/>
+                <a16:creationId xmlns:a16="http://schemas.microsoft.com/office/drawing/2014/main" xmlns="" id="{E3234FDC-E82F-4B94-9749-F137BF2F60F1}"/>
               </a:ext>
             </a:extLst>
           </p:cNvPr>
@@ -7063,7 +7073,7 @@
           <p:cNvPr id="2" name="標題 1">
             <a:extLst>
               <a:ext uri="{FF2B5EF4-FFF2-40B4-BE49-F238E27FC236}">
-                <a16:creationId xmlns:a16="http://schemas.microsoft.com/office/drawing/2014/main" id="{5CCC8696-30A4-41D2-BEA5-72BD4E3ABCE2}"/>
+                <a16:creationId xmlns:a16="http://schemas.microsoft.com/office/drawing/2014/main" xmlns="" id="{5CCC8696-30A4-41D2-BEA5-72BD4E3ABCE2}"/>
               </a:ext>
             </a:extLst>
           </p:cNvPr>
@@ -7074,7 +7084,12 @@
             <p:ph type="title"/>
           </p:nvPr>
         </p:nvSpPr>
-        <p:spPr/>
+        <p:spPr>
+          <a:xfrm>
+            <a:off x="368061" y="728932"/>
+            <a:ext cx="10972800" cy="1066800"/>
+          </a:xfrm>
+        </p:spPr>
         <p:txBody>
           <a:bodyPr/>
           <a:lstStyle/>
@@ -7099,7 +7114,7 @@
           <p:cNvPr id="3" name="內容版面配置區 2">
             <a:extLst>
               <a:ext uri="{FF2B5EF4-FFF2-40B4-BE49-F238E27FC236}">
-                <a16:creationId xmlns:a16="http://schemas.microsoft.com/office/drawing/2014/main" id="{236FFF8C-6D70-4C7E-AFDB-30E625C71031}"/>
+                <a16:creationId xmlns:a16="http://schemas.microsoft.com/office/drawing/2014/main" xmlns="" id="{236FFF8C-6D70-4C7E-AFDB-30E625C71031}"/>
               </a:ext>
             </a:extLst>
           </p:cNvPr>
@@ -7112,7 +7127,7 @@
         </p:nvSpPr>
         <p:spPr>
           <a:xfrm>
-            <a:off x="268449" y="2249424"/>
+            <a:off x="320207" y="1930247"/>
             <a:ext cx="11313952" cy="4325112"/>
           </a:xfrm>
         </p:spPr>
@@ -7280,7 +7295,7 @@
           <p:cNvPr id="4" name="矩形 3">
             <a:extLst>
               <a:ext uri="{FF2B5EF4-FFF2-40B4-BE49-F238E27FC236}">
-                <a16:creationId xmlns:a16="http://schemas.microsoft.com/office/drawing/2014/main" id="{3CC1E397-DA8D-4C9A-B5D5-FF9D262C8554}"/>
+                <a16:creationId xmlns:a16="http://schemas.microsoft.com/office/drawing/2014/main" xmlns="" id="{3CC1E397-DA8D-4C9A-B5D5-FF9D262C8554}"/>
               </a:ext>
             </a:extLst>
           </p:cNvPr>
@@ -8219,7 +8234,7 @@
             <a:hlinkClick r:id="" action="ppaction://media"/>
             <a:extLst>
               <a:ext uri="{FF2B5EF4-FFF2-40B4-BE49-F238E27FC236}">
-                <a16:creationId xmlns:a16="http://schemas.microsoft.com/office/drawing/2014/main" id="{39C2B3C6-366A-4C7D-BAF9-526BCCCDBE94}"/>
+                <a16:creationId xmlns:a16="http://schemas.microsoft.com/office/drawing/2014/main" xmlns="" id="{39C2B3C6-366A-4C7D-BAF9-526BCCCDBE94}"/>
               </a:ext>
             </a:extLst>
           </p:cNvPr>
@@ -8353,6 +8368,125 @@
       </p:par>
     </p:tnLst>
   </p:timing>
+</p:sld>
+</file>
+
+<file path=ppt/slides/slide9.xml><?xml version="1.0" encoding="utf-8"?>
+<p:sld xmlns:a="http://schemas.openxmlformats.org/drawingml/2006/main" xmlns:r="http://schemas.openxmlformats.org/officeDocument/2006/relationships" xmlns:p="http://schemas.openxmlformats.org/presentationml/2006/main">
+  <p:cSld>
+    <p:spTree>
+      <p:nvGrpSpPr>
+        <p:cNvPr id="1" name=""/>
+        <p:cNvGrpSpPr/>
+        <p:nvPr/>
+      </p:nvGrpSpPr>
+      <p:grpSpPr>
+        <a:xfrm>
+          <a:off x="0" y="0"/>
+          <a:ext cx="0" cy="0"/>
+          <a:chOff x="0" y="0"/>
+          <a:chExt cx="0" cy="0"/>
+        </a:xfrm>
+      </p:grpSpPr>
+      <p:sp>
+        <p:nvSpPr>
+          <p:cNvPr id="4" name="矩形 3"/>
+          <p:cNvSpPr/>
+          <p:nvPr/>
+        </p:nvSpPr>
+        <p:spPr>
+          <a:xfrm>
+            <a:off x="149523" y="828461"/>
+            <a:ext cx="10780144" cy="369332"/>
+          </a:xfrm>
+          <a:prstGeom prst="rect">
+            <a:avLst/>
+          </a:prstGeom>
+        </p:spPr>
+        <p:txBody>
+          <a:bodyPr wrap="square">
+            <a:spAutoFit/>
+          </a:bodyPr>
+          <a:lstStyle/>
+          <a:p>
+            <a:r>
+              <a:rPr lang="zh-TW" altLang="en-US" b="1" dirty="0"/>
+              <a:t>關於</a:t>
+            </a:r>
+            <a:r>
+              <a:rPr lang="en-US" altLang="zh-TW" b="1" dirty="0"/>
+              <a:t>Range</a:t>
+            </a:r>
+            <a:r>
+              <a:rPr lang="zh-TW" altLang="en-US" b="1" dirty="0"/>
+              <a:t>，</a:t>
+            </a:r>
+            <a:r>
+              <a:rPr lang="en-US" altLang="zh-TW" b="1" dirty="0" err="1"/>
+              <a:t>DateRange</a:t>
+            </a:r>
+            <a:r>
+              <a:rPr lang="zh-TW" altLang="en-US" b="1" dirty="0"/>
+              <a:t>，</a:t>
+            </a:r>
+            <a:r>
+              <a:rPr lang="en-US" altLang="zh-TW" b="1" dirty="0" err="1"/>
+              <a:t>BetweenMinimumDateAndToday</a:t>
+            </a:r>
+            <a:r>
+              <a:rPr lang="zh-TW" altLang="en-US" b="1" dirty="0"/>
+              <a:t>，</a:t>
+            </a:r>
+            <a:r>
+              <a:rPr lang="en-US" altLang="zh-TW" b="1" dirty="0" err="1"/>
+              <a:t>BeforeToday</a:t>
+            </a:r>
+            <a:r>
+              <a:rPr lang="zh-TW" altLang="en-US" b="1" dirty="0"/>
+              <a:t>，</a:t>
+            </a:r>
+            <a:r>
+              <a:rPr lang="en-US" altLang="zh-TW" b="1" dirty="0" err="1"/>
+              <a:t>DisplayFormat</a:t>
+            </a:r>
+            <a:r>
+              <a:rPr lang="zh-TW" altLang="en-US" b="1" dirty="0"/>
+              <a:t>，</a:t>
+            </a:r>
+            <a:r>
+              <a:rPr lang="en-US" altLang="zh-TW" b="1" dirty="0" err="1"/>
+              <a:t>DateTimeformat</a:t>
+            </a:r>
+            <a:r>
+              <a:rPr lang="zh-TW" altLang="en-US" b="1" dirty="0"/>
+              <a:t>。</a:t>
+            </a:r>
+            <a:endParaRPr lang="en-US" altLang="zh-TW" dirty="0"/>
+          </a:p>
+        </p:txBody>
+      </p:sp>
+    </p:spTree>
+    <p:extLst>
+      <p:ext uri="{BB962C8B-B14F-4D97-AF65-F5344CB8AC3E}">
+        <p14:creationId xmlns:p14="http://schemas.microsoft.com/office/powerpoint/2010/main" val="1041135454"/>
+      </p:ext>
+    </p:extLst>
+  </p:cSld>
+  <p:clrMapOvr>
+    <a:masterClrMapping/>
+  </p:clrMapOvr>
+  <mc:AlternateContent xmlns:mc="http://schemas.openxmlformats.org/markup-compatibility/2006" xmlns:p14="http://schemas.microsoft.com/office/powerpoint/2010/main">
+    <mc:Choice Requires="p14">
+      <p:transition spd="med" p14:dur="700">
+        <p:fade/>
+      </p:transition>
+    </mc:Choice>
+    <mc:Fallback xmlns="">
+      <p:transition spd="med">
+        <p:fade/>
+      </p:transition>
+    </mc:Fallback>
+  </mc:AlternateContent>
 </p:sld>
 </file>
 
@@ -8615,7 +8749,7 @@
   <a:extraClrSchemeLst/>
   <a:extLst>
     <a:ext uri="{05A4C25C-085E-4340-85A3-A5531E510DB2}">
-      <thm15:themeFamily xmlns:thm15="http://schemas.microsoft.com/office/thememl/2012/main" name="Office_16224615_TF03460604.potx" id="{459C345E-EC57-4CE6-8378-CD5A0E02B40D}" vid="{75388508-C140-4AE9-B3F8-1A15F21DF63F}"/>
+      <thm15:themeFamily xmlns:thm15="http://schemas.microsoft.com/office/thememl/2012/main" xmlns="" name="Office_16224615_TF03460604.potx" id="{459C345E-EC57-4CE6-8378-CD5A0E02B40D}" vid="{75388508-C140-4AE9-B3F8-1A15F21DF63F}"/>
     </a:ext>
   </a:extLst>
 </a:theme>
@@ -8876,7 +9010,7 @@
   <a:extraClrSchemeLst/>
   <a:extLst>
     <a:ext uri="{05A4C25C-085E-4340-85A3-A5531E510DB2}">
-      <thm15:themeFamily xmlns:thm15="http://schemas.microsoft.com/office/thememl/2012/main" name="Office Theme" id="{62F939B6-93AF-4DB8-9C6B-D6C7DFDC589F}" vid="{4A3C46E8-61CC-4603-A589-7422A47A8E4A}"/>
+      <thm15:themeFamily xmlns:thm15="http://schemas.microsoft.com/office/thememl/2012/main" xmlns="" name="Office Theme" id="{62F939B6-93AF-4DB8-9C6B-D6C7DFDC589F}" vid="{4A3C46E8-61CC-4603-A589-7422A47A8E4A}"/>
     </a:ext>
   </a:extLst>
 </a:theme>
@@ -9137,7 +9271,7 @@
   <a:extraClrSchemeLst/>
   <a:extLst>
     <a:ext uri="{05A4C25C-085E-4340-85A3-A5531E510DB2}">
-      <thm15:themeFamily xmlns:thm15="http://schemas.microsoft.com/office/thememl/2012/main" name="Office Theme" id="{62F939B6-93AF-4DB8-9C6B-D6C7DFDC589F}" vid="{4A3C46E8-61CC-4603-A589-7422A47A8E4A}"/>
+      <thm15:themeFamily xmlns:thm15="http://schemas.microsoft.com/office/thememl/2012/main" xmlns="" name="Office Theme" id="{62F939B6-93AF-4DB8-9C6B-D6C7DFDC589F}" vid="{4A3C46E8-61CC-4603-A589-7422A47A8E4A}"/>
     </a:ext>
   </a:extLst>
 </a:theme>

--- a/現代 .Net 開發者之路 - MVC 完全精通.pptx
+++ b/現代 .Net 開發者之路 - MVC 完全精通.pptx
@@ -5,10 +5,10 @@
     <p:sldMasterId id="2147483696" r:id="rId1"/>
   </p:sldMasterIdLst>
   <p:notesMasterIdLst>
-    <p:notesMasterId r:id="rId11"/>
+    <p:notesMasterId r:id="rId13"/>
   </p:notesMasterIdLst>
   <p:handoutMasterIdLst>
-    <p:handoutMasterId r:id="rId12"/>
+    <p:handoutMasterId r:id="rId14"/>
   </p:handoutMasterIdLst>
   <p:sldIdLst>
     <p:sldId id="257" r:id="rId2"/>
@@ -20,6 +20,8 @@
     <p:sldId id="263" r:id="rId8"/>
     <p:sldId id="264" r:id="rId9"/>
     <p:sldId id="265" r:id="rId10"/>
+    <p:sldId id="266" r:id="rId11"/>
+    <p:sldId id="267" r:id="rId12"/>
   </p:sldIdLst>
   <p:sldSz cx="12192000" cy="6858000"/>
   <p:notesSz cx="6858000" cy="9144000"/>
@@ -120,7 +122,7 @@
   </p:defaultTextStyle>
   <p:extLst>
     <p:ext uri="{EFAFB233-063F-42B5-8137-9DF3F51BA10A}">
-      <p15:sldGuideLst xmlns:p15="http://schemas.microsoft.com/office/powerpoint/2012/main" xmlns="">
+      <p15:sldGuideLst xmlns:p15="http://schemas.microsoft.com/office/powerpoint/2012/main">
         <p15:guide id="1" orient="horz" pos="2160" userDrawn="1">
           <p15:clr>
             <a:srgbClr val="A4A3A4"/>
@@ -144,7 +146,7 @@
       </p15:sldGuideLst>
     </p:ext>
     <p:ext uri="{2D200454-40CA-4A62-9FC3-DE9A4176ACB9}">
-      <p15:notesGuideLst xmlns:p15="http://schemas.microsoft.com/office/powerpoint/2012/main" xmlns=""/>
+      <p15:notesGuideLst xmlns:p15="http://schemas.microsoft.com/office/powerpoint/2012/main"/>
     </p:ext>
   </p:extLst>
 </p:presentation>
@@ -2831,7 +2833,7 @@
   </mc:AlternateContent>
   <p:extLst mod="1">
     <p:ext uri="{DCECCB84-F9BA-43D5-87BE-67443E8EF086}">
-      <p15:sldGuideLst xmlns:p15="http://schemas.microsoft.com/office/powerpoint/2012/main" xmlns="">
+      <p15:sldGuideLst xmlns:p15="http://schemas.microsoft.com/office/powerpoint/2012/main">
         <p15:guide id="0" orient="horz" pos="2160" userDrawn="1">
           <p15:clr>
             <a:srgbClr val="FBAE40"/>
@@ -5322,7 +5324,7 @@
   </p:txStyles>
   <p:extLst mod="1">
     <p:ext uri="{27BBF7A9-308A-43DC-89C8-2F10F3537804}">
-      <p15:sldGuideLst xmlns:p15="http://schemas.microsoft.com/office/powerpoint/2012/main" xmlns="">
+      <p15:sldGuideLst xmlns:p15="http://schemas.microsoft.com/office/powerpoint/2012/main">
         <p15:guide id="0" orient="horz" pos="2160" userDrawn="1">
           <p15:clr>
             <a:srgbClr val="F26B43"/>
@@ -5430,10 +5432,9 @@
           <a:p>
             <a:pPr rtl="0"/>
             <a:r>
-              <a:rPr lang="zh-TW" altLang="en-US" dirty="0" smtClean="0"/>
+              <a:rPr lang="zh-TW" altLang="en-US" dirty="0"/>
               <a:t>陳彥如</a:t>
             </a:r>
-            <a:endParaRPr lang="zh-TW" altLang="en-US" dirty="0"/>
           </a:p>
         </p:txBody>
       </p:sp>
@@ -5441,6 +5442,184 @@
     <p:extLst>
       <p:ext uri="{BB962C8B-B14F-4D97-AF65-F5344CB8AC3E}">
         <p14:creationId xmlns:p14="http://schemas.microsoft.com/office/powerpoint/2010/main" val="706305541"/>
+      </p:ext>
+    </p:extLst>
+  </p:cSld>
+  <p:clrMapOvr>
+    <a:masterClrMapping/>
+  </p:clrMapOvr>
+  <mc:AlternateContent xmlns:mc="http://schemas.openxmlformats.org/markup-compatibility/2006" xmlns:p14="http://schemas.microsoft.com/office/powerpoint/2010/main">
+    <mc:Choice Requires="p14">
+      <p:transition spd="med" p14:dur="700">
+        <p:fade/>
+      </p:transition>
+    </mc:Choice>
+    <mc:Fallback xmlns="">
+      <p:transition spd="med">
+        <p:fade/>
+      </p:transition>
+    </mc:Fallback>
+  </mc:AlternateContent>
+</p:sld>
+</file>
+
+<file path=ppt/slides/slide10.xml><?xml version="1.0" encoding="utf-8"?>
+<p:sld xmlns:a="http://schemas.openxmlformats.org/drawingml/2006/main" xmlns:r="http://schemas.openxmlformats.org/officeDocument/2006/relationships" xmlns:p="http://schemas.openxmlformats.org/presentationml/2006/main">
+  <p:cSld>
+    <p:spTree>
+      <p:nvGrpSpPr>
+        <p:cNvPr id="1" name=""/>
+        <p:cNvGrpSpPr/>
+        <p:nvPr/>
+      </p:nvGrpSpPr>
+      <p:grpSpPr>
+        <a:xfrm>
+          <a:off x="0" y="0"/>
+          <a:ext cx="0" cy="0"/>
+          <a:chOff x="0" y="0"/>
+          <a:chExt cx="0" cy="0"/>
+        </a:xfrm>
+      </p:grpSpPr>
+      <p:sp>
+        <p:nvSpPr>
+          <p:cNvPr id="4" name="矩形 3">
+            <a:extLst>
+              <a:ext uri="{FF2B5EF4-FFF2-40B4-BE49-F238E27FC236}">
+                <a16:creationId xmlns:a16="http://schemas.microsoft.com/office/drawing/2014/main" id="{41EC33C2-615B-461A-8D7D-A5F86B902CE6}"/>
+              </a:ext>
+            </a:extLst>
+          </p:cNvPr>
+          <p:cNvSpPr/>
+          <p:nvPr/>
+        </p:nvSpPr>
+        <p:spPr>
+          <a:xfrm>
+            <a:off x="159792" y="568246"/>
+            <a:ext cx="2359300" cy="369332"/>
+          </a:xfrm>
+          <a:prstGeom prst="rect">
+            <a:avLst/>
+          </a:prstGeom>
+        </p:spPr>
+        <p:txBody>
+          <a:bodyPr wrap="none">
+            <a:spAutoFit/>
+          </a:bodyPr>
+          <a:lstStyle/>
+          <a:p>
+            <a:r>
+              <a:rPr lang="zh-TW" altLang="en-US" dirty="0"/>
+              <a:t>關於</a:t>
+            </a:r>
+            <a:r>
+              <a:rPr lang="en-US" altLang="zh-TW" dirty="0" err="1"/>
+              <a:t>RegularExpression</a:t>
+            </a:r>
+            <a:endParaRPr lang="zh-TW" altLang="en-US" dirty="0"/>
+          </a:p>
+        </p:txBody>
+      </p:sp>
+    </p:spTree>
+    <p:extLst>
+      <p:ext uri="{BB962C8B-B14F-4D97-AF65-F5344CB8AC3E}">
+        <p14:creationId xmlns:p14="http://schemas.microsoft.com/office/powerpoint/2010/main" val="2023689378"/>
+      </p:ext>
+    </p:extLst>
+  </p:cSld>
+  <p:clrMapOvr>
+    <a:masterClrMapping/>
+  </p:clrMapOvr>
+  <mc:AlternateContent xmlns:mc="http://schemas.openxmlformats.org/markup-compatibility/2006" xmlns:p14="http://schemas.microsoft.com/office/powerpoint/2010/main">
+    <mc:Choice Requires="p14">
+      <p:transition spd="med" p14:dur="700">
+        <p:fade/>
+      </p:transition>
+    </mc:Choice>
+    <mc:Fallback xmlns="">
+      <p:transition spd="med">
+        <p:fade/>
+      </p:transition>
+    </mc:Fallback>
+  </mc:AlternateContent>
+</p:sld>
+</file>
+
+<file path=ppt/slides/slide11.xml><?xml version="1.0" encoding="utf-8"?>
+<p:sld xmlns:a="http://schemas.openxmlformats.org/drawingml/2006/main" xmlns:r="http://schemas.openxmlformats.org/officeDocument/2006/relationships" xmlns:p="http://schemas.openxmlformats.org/presentationml/2006/main">
+  <p:cSld>
+    <p:spTree>
+      <p:nvGrpSpPr>
+        <p:cNvPr id="1" name=""/>
+        <p:cNvGrpSpPr/>
+        <p:nvPr/>
+      </p:nvGrpSpPr>
+      <p:grpSpPr>
+        <a:xfrm>
+          <a:off x="0" y="0"/>
+          <a:ext cx="0" cy="0"/>
+          <a:chOff x="0" y="0"/>
+          <a:chExt cx="0" cy="0"/>
+        </a:xfrm>
+      </p:grpSpPr>
+      <p:sp>
+        <p:nvSpPr>
+          <p:cNvPr id="4" name="矩形 3">
+            <a:extLst>
+              <a:ext uri="{FF2B5EF4-FFF2-40B4-BE49-F238E27FC236}">
+                <a16:creationId xmlns:a16="http://schemas.microsoft.com/office/drawing/2014/main" id="{926E12AF-B6CF-41E4-9643-5760C7C5FC28}"/>
+              </a:ext>
+            </a:extLst>
+          </p:cNvPr>
+          <p:cNvSpPr/>
+          <p:nvPr/>
+        </p:nvSpPr>
+        <p:spPr>
+          <a:xfrm>
+            <a:off x="147152" y="585024"/>
+            <a:ext cx="4569777" cy="369332"/>
+          </a:xfrm>
+          <a:prstGeom prst="rect">
+            <a:avLst/>
+          </a:prstGeom>
+        </p:spPr>
+        <p:txBody>
+          <a:bodyPr wrap="none">
+            <a:spAutoFit/>
+          </a:bodyPr>
+          <a:lstStyle/>
+          <a:p>
+            <a:r>
+              <a:rPr lang="zh-TW" altLang="en-US" dirty="0"/>
+              <a:t>關於</a:t>
+            </a:r>
+            <a:r>
+              <a:rPr lang="en-US" altLang="zh-TW" dirty="0"/>
+              <a:t>Compare</a:t>
+            </a:r>
+            <a:r>
+              <a:rPr lang="zh-TW" altLang="en-US" dirty="0"/>
+              <a:t>，</a:t>
+            </a:r>
+            <a:r>
+              <a:rPr lang="en-US" altLang="zh-TW" dirty="0"/>
+              <a:t>Remote</a:t>
+            </a:r>
+            <a:r>
+              <a:rPr lang="zh-TW" altLang="en-US" dirty="0"/>
+              <a:t>，</a:t>
+            </a:r>
+            <a:r>
+              <a:rPr lang="en-US" altLang="zh-TW" dirty="0" err="1"/>
+              <a:t>RemoteClientServer</a:t>
+            </a:r>
+            <a:endParaRPr lang="zh-TW" altLang="en-US" dirty="0"/>
+          </a:p>
+        </p:txBody>
+      </p:sp>
+    </p:spTree>
+    <p:extLst>
+      <p:ext uri="{BB962C8B-B14F-4D97-AF65-F5344CB8AC3E}">
+        <p14:creationId xmlns:p14="http://schemas.microsoft.com/office/powerpoint/2010/main" val="2145123992"/>
       </p:ext>
     </p:extLst>
   </p:cSld>
@@ -5555,7 +5734,7 @@
           <p:cNvPr id="4" name="矩形 3">
             <a:extLst>
               <a:ext uri="{FF2B5EF4-FFF2-40B4-BE49-F238E27FC236}">
-                <a16:creationId xmlns:a16="http://schemas.microsoft.com/office/drawing/2014/main" xmlns="" id="{3C72E475-814B-4F8B-9FFD-D80D53CE53D2}"/>
+                <a16:creationId xmlns:a16="http://schemas.microsoft.com/office/drawing/2014/main" id="{3C72E475-814B-4F8B-9FFD-D80D53CE53D2}"/>
               </a:ext>
             </a:extLst>
           </p:cNvPr>
@@ -5734,7 +5913,7 @@
             <a:hlinkClick r:id="" action="ppaction://media"/>
             <a:extLst>
               <a:ext uri="{FF2B5EF4-FFF2-40B4-BE49-F238E27FC236}">
-                <a16:creationId xmlns:a16="http://schemas.microsoft.com/office/drawing/2014/main" xmlns="" id="{0A404AFB-E9D2-4C11-90A7-7D71C3887FE4}"/>
+                <a16:creationId xmlns:a16="http://schemas.microsoft.com/office/drawing/2014/main" id="{0A404AFB-E9D2-4C11-90A7-7D71C3887FE4}"/>
               </a:ext>
             </a:extLst>
           </p:cNvPr>
@@ -5893,7 +6072,7 @@
           <p:cNvPr id="7" name="矩形 6">
             <a:extLst>
               <a:ext uri="{FF2B5EF4-FFF2-40B4-BE49-F238E27FC236}">
-                <a16:creationId xmlns:a16="http://schemas.microsoft.com/office/drawing/2014/main" xmlns="" id="{26549078-88E7-46DE-9C94-471946F3E4FE}"/>
+                <a16:creationId xmlns:a16="http://schemas.microsoft.com/office/drawing/2014/main" id="{26549078-88E7-46DE-9C94-471946F3E4FE}"/>
               </a:ext>
             </a:extLst>
           </p:cNvPr>
@@ -6114,7 +6293,7 @@
             <a:hlinkClick r:id="" action="ppaction://media"/>
             <a:extLst>
               <a:ext uri="{FF2B5EF4-FFF2-40B4-BE49-F238E27FC236}">
-                <a16:creationId xmlns:a16="http://schemas.microsoft.com/office/drawing/2014/main" xmlns="" id="{D01961E4-0BB1-4718-AD30-FBE0786CC1FF}"/>
+                <a16:creationId xmlns:a16="http://schemas.microsoft.com/office/drawing/2014/main" id="{D01961E4-0BB1-4718-AD30-FBE0786CC1FF}"/>
               </a:ext>
             </a:extLst>
           </p:cNvPr>
@@ -6273,7 +6452,7 @@
           <p:cNvPr id="4" name="矩形 3">
             <a:extLst>
               <a:ext uri="{FF2B5EF4-FFF2-40B4-BE49-F238E27FC236}">
-                <a16:creationId xmlns:a16="http://schemas.microsoft.com/office/drawing/2014/main" xmlns="" id="{CC62A252-B491-4259-87BA-2E30F9F6F99A}"/>
+                <a16:creationId xmlns:a16="http://schemas.microsoft.com/office/drawing/2014/main" id="{CC62A252-B491-4259-87BA-2E30F9F6F99A}"/>
               </a:ext>
             </a:extLst>
           </p:cNvPr>
@@ -6463,7 +6642,7 @@
             <a:hlinkClick r:id="" action="ppaction://media"/>
             <a:extLst>
               <a:ext uri="{FF2B5EF4-FFF2-40B4-BE49-F238E27FC236}">
-                <a16:creationId xmlns:a16="http://schemas.microsoft.com/office/drawing/2014/main" xmlns="" id="{9C936DEB-7248-4434-95B9-3F0742673E2B}"/>
+                <a16:creationId xmlns:a16="http://schemas.microsoft.com/office/drawing/2014/main" id="{9C936DEB-7248-4434-95B9-3F0742673E2B}"/>
               </a:ext>
             </a:extLst>
           </p:cNvPr>
@@ -6622,7 +6801,7 @@
           <p:cNvPr id="4" name="矩形 3">
             <a:extLst>
               <a:ext uri="{FF2B5EF4-FFF2-40B4-BE49-F238E27FC236}">
-                <a16:creationId xmlns:a16="http://schemas.microsoft.com/office/drawing/2014/main" xmlns="" id="{A4B74858-3D74-4077-B6BC-5A310519DCBA}"/>
+                <a16:creationId xmlns:a16="http://schemas.microsoft.com/office/drawing/2014/main" id="{A4B74858-3D74-4077-B6BC-5A310519DCBA}"/>
               </a:ext>
             </a:extLst>
           </p:cNvPr>
@@ -6914,7 +7093,7 @@
             <a:hlinkClick r:id="" action="ppaction://media"/>
             <a:extLst>
               <a:ext uri="{FF2B5EF4-FFF2-40B4-BE49-F238E27FC236}">
-                <a16:creationId xmlns:a16="http://schemas.microsoft.com/office/drawing/2014/main" xmlns="" id="{E3234FDC-E82F-4B94-9749-F137BF2F60F1}"/>
+                <a16:creationId xmlns:a16="http://schemas.microsoft.com/office/drawing/2014/main" id="{E3234FDC-E82F-4B94-9749-F137BF2F60F1}"/>
               </a:ext>
             </a:extLst>
           </p:cNvPr>
@@ -7073,7 +7252,7 @@
           <p:cNvPr id="2" name="標題 1">
             <a:extLst>
               <a:ext uri="{FF2B5EF4-FFF2-40B4-BE49-F238E27FC236}">
-                <a16:creationId xmlns:a16="http://schemas.microsoft.com/office/drawing/2014/main" xmlns="" id="{5CCC8696-30A4-41D2-BEA5-72BD4E3ABCE2}"/>
+                <a16:creationId xmlns:a16="http://schemas.microsoft.com/office/drawing/2014/main" id="{5CCC8696-30A4-41D2-BEA5-72BD4E3ABCE2}"/>
               </a:ext>
             </a:extLst>
           </p:cNvPr>
@@ -7114,7 +7293,7 @@
           <p:cNvPr id="3" name="內容版面配置區 2">
             <a:extLst>
               <a:ext uri="{FF2B5EF4-FFF2-40B4-BE49-F238E27FC236}">
-                <a16:creationId xmlns:a16="http://schemas.microsoft.com/office/drawing/2014/main" xmlns="" id="{236FFF8C-6D70-4C7E-AFDB-30E625C71031}"/>
+                <a16:creationId xmlns:a16="http://schemas.microsoft.com/office/drawing/2014/main" id="{236FFF8C-6D70-4C7E-AFDB-30E625C71031}"/>
               </a:ext>
             </a:extLst>
           </p:cNvPr>
@@ -7295,7 +7474,7 @@
           <p:cNvPr id="4" name="矩形 3">
             <a:extLst>
               <a:ext uri="{FF2B5EF4-FFF2-40B4-BE49-F238E27FC236}">
-                <a16:creationId xmlns:a16="http://schemas.microsoft.com/office/drawing/2014/main" xmlns="" id="{3CC1E397-DA8D-4C9A-B5D5-FF9D262C8554}"/>
+                <a16:creationId xmlns:a16="http://schemas.microsoft.com/office/drawing/2014/main" id="{3CC1E397-DA8D-4C9A-B5D5-FF9D262C8554}"/>
               </a:ext>
             </a:extLst>
           </p:cNvPr>
@@ -8234,7 +8413,7 @@
             <a:hlinkClick r:id="" action="ppaction://media"/>
             <a:extLst>
               <a:ext uri="{FF2B5EF4-FFF2-40B4-BE49-F238E27FC236}">
-                <a16:creationId xmlns:a16="http://schemas.microsoft.com/office/drawing/2014/main" xmlns="" id="{39C2B3C6-366A-4C7D-BAF9-526BCCCDBE94}"/>
+                <a16:creationId xmlns:a16="http://schemas.microsoft.com/office/drawing/2014/main" id="{39C2B3C6-366A-4C7D-BAF9-526BCCCDBE94}"/>
               </a:ext>
             </a:extLst>
           </p:cNvPr>
@@ -8410,55 +8589,55 @@
           <a:lstStyle/>
           <a:p>
             <a:r>
-              <a:rPr lang="zh-TW" altLang="en-US" b="1" dirty="0"/>
+              <a:rPr lang="zh-TW" altLang="en-US" dirty="0"/>
               <a:t>關於</a:t>
             </a:r>
             <a:r>
-              <a:rPr lang="en-US" altLang="zh-TW" b="1" dirty="0"/>
+              <a:rPr lang="en-US" altLang="zh-TW" dirty="0"/>
               <a:t>Range</a:t>
             </a:r>
             <a:r>
-              <a:rPr lang="zh-TW" altLang="en-US" b="1" dirty="0"/>
+              <a:rPr lang="zh-TW" altLang="en-US" dirty="0"/>
               <a:t>，</a:t>
             </a:r>
             <a:r>
-              <a:rPr lang="en-US" altLang="zh-TW" b="1" dirty="0" err="1"/>
+              <a:rPr lang="en-US" altLang="zh-TW" dirty="0" err="1"/>
               <a:t>DateRange</a:t>
             </a:r>
             <a:r>
-              <a:rPr lang="zh-TW" altLang="en-US" b="1" dirty="0"/>
+              <a:rPr lang="zh-TW" altLang="en-US" dirty="0"/>
               <a:t>，</a:t>
             </a:r>
             <a:r>
-              <a:rPr lang="en-US" altLang="zh-TW" b="1" dirty="0" err="1"/>
+              <a:rPr lang="en-US" altLang="zh-TW" dirty="0" err="1"/>
               <a:t>BetweenMinimumDateAndToday</a:t>
             </a:r>
             <a:r>
-              <a:rPr lang="zh-TW" altLang="en-US" b="1" dirty="0"/>
+              <a:rPr lang="zh-TW" altLang="en-US" dirty="0"/>
               <a:t>，</a:t>
             </a:r>
             <a:r>
-              <a:rPr lang="en-US" altLang="zh-TW" b="1" dirty="0" err="1"/>
+              <a:rPr lang="en-US" altLang="zh-TW" dirty="0" err="1"/>
               <a:t>BeforeToday</a:t>
             </a:r>
             <a:r>
-              <a:rPr lang="zh-TW" altLang="en-US" b="1" dirty="0"/>
+              <a:rPr lang="zh-TW" altLang="en-US" dirty="0"/>
               <a:t>，</a:t>
             </a:r>
             <a:r>
-              <a:rPr lang="en-US" altLang="zh-TW" b="1" dirty="0" err="1"/>
+              <a:rPr lang="en-US" altLang="zh-TW" dirty="0" err="1"/>
               <a:t>DisplayFormat</a:t>
             </a:r>
             <a:r>
-              <a:rPr lang="zh-TW" altLang="en-US" b="1" dirty="0"/>
+              <a:rPr lang="zh-TW" altLang="en-US" dirty="0"/>
               <a:t>，</a:t>
             </a:r>
             <a:r>
-              <a:rPr lang="en-US" altLang="zh-TW" b="1" dirty="0" err="1"/>
+              <a:rPr lang="en-US" altLang="zh-TW" dirty="0" err="1"/>
               <a:t>DateTimeformat</a:t>
             </a:r>
             <a:r>
-              <a:rPr lang="zh-TW" altLang="en-US" b="1" dirty="0"/>
+              <a:rPr lang="zh-TW" altLang="en-US" dirty="0"/>
               <a:t>。</a:t>
             </a:r>
             <a:endParaRPr lang="en-US" altLang="zh-TW" dirty="0"/>
@@ -8749,7 +8928,7 @@
   <a:extraClrSchemeLst/>
   <a:extLst>
     <a:ext uri="{05A4C25C-085E-4340-85A3-A5531E510DB2}">
-      <thm15:themeFamily xmlns:thm15="http://schemas.microsoft.com/office/thememl/2012/main" xmlns="" name="Office_16224615_TF03460604.potx" id="{459C345E-EC57-4CE6-8378-CD5A0E02B40D}" vid="{75388508-C140-4AE9-B3F8-1A15F21DF63F}"/>
+      <thm15:themeFamily xmlns:thm15="http://schemas.microsoft.com/office/thememl/2012/main" name="Office_16224615_TF03460604.potx" id="{459C345E-EC57-4CE6-8378-CD5A0E02B40D}" vid="{75388508-C140-4AE9-B3F8-1A15F21DF63F}"/>
     </a:ext>
   </a:extLst>
 </a:theme>
@@ -9010,7 +9189,7 @@
   <a:extraClrSchemeLst/>
   <a:extLst>
     <a:ext uri="{05A4C25C-085E-4340-85A3-A5531E510DB2}">
-      <thm15:themeFamily xmlns:thm15="http://schemas.microsoft.com/office/thememl/2012/main" xmlns="" name="Office Theme" id="{62F939B6-93AF-4DB8-9C6B-D6C7DFDC589F}" vid="{4A3C46E8-61CC-4603-A589-7422A47A8E4A}"/>
+      <thm15:themeFamily xmlns:thm15="http://schemas.microsoft.com/office/thememl/2012/main" name="Office Theme" id="{62F939B6-93AF-4DB8-9C6B-D6C7DFDC589F}" vid="{4A3C46E8-61CC-4603-A589-7422A47A8E4A}"/>
     </a:ext>
   </a:extLst>
 </a:theme>
@@ -9271,7 +9450,7 @@
   <a:extraClrSchemeLst/>
   <a:extLst>
     <a:ext uri="{05A4C25C-085E-4340-85A3-A5531E510DB2}">
-      <thm15:themeFamily xmlns:thm15="http://schemas.microsoft.com/office/thememl/2012/main" xmlns="" name="Office Theme" id="{62F939B6-93AF-4DB8-9C6B-D6C7DFDC589F}" vid="{4A3C46E8-61CC-4603-A589-7422A47A8E4A}"/>
+      <thm15:themeFamily xmlns:thm15="http://schemas.microsoft.com/office/thememl/2012/main" name="Office Theme" id="{62F939B6-93AF-4DB8-9C6B-D6C7DFDC589F}" vid="{4A3C46E8-61CC-4603-A589-7422A47A8E4A}"/>
     </a:ext>
   </a:extLst>
 </a:theme>

--- a/現代 .Net 開發者之路 - MVC 完全精通.pptx
+++ b/現代 .Net 開發者之路 - MVC 完全精通.pptx
@@ -163,7 +163,7 @@
   </p:defaultTextStyle>
   <p:extLst>
     <p:ext uri="{EFAFB233-063F-42B5-8137-9DF3F51BA10A}">
-      <p15:sldGuideLst xmlns:p15="http://schemas.microsoft.com/office/powerpoint/2012/main">
+      <p15:sldGuideLst xmlns:p15="http://schemas.microsoft.com/office/powerpoint/2012/main" xmlns="">
         <p15:guide id="1" orient="horz" pos="2160" userDrawn="1">
           <p15:clr>
             <a:srgbClr val="A4A3A4"/>
@@ -187,7 +187,7 @@
       </p15:sldGuideLst>
     </p:ext>
     <p:ext uri="{2D200454-40CA-4A62-9FC3-DE9A4176ACB9}">
-      <p15:notesGuideLst xmlns:p15="http://schemas.microsoft.com/office/powerpoint/2012/main">
+      <p15:notesGuideLst xmlns:p15="http://schemas.microsoft.com/office/powerpoint/2012/main" xmlns="">
         <p15:guide id="1" orient="horz" pos="2880">
           <p15:clr>
             <a:srgbClr val="A4A3A4"/>
@@ -2893,7 +2893,7 @@
   </mc:AlternateContent>
   <p:extLst mod="1">
     <p:ext uri="{DCECCB84-F9BA-43D5-87BE-67443E8EF086}">
-      <p15:sldGuideLst xmlns:p15="http://schemas.microsoft.com/office/powerpoint/2012/main">
+      <p15:sldGuideLst xmlns:p15="http://schemas.microsoft.com/office/powerpoint/2012/main" xmlns="">
         <p15:guide id="0" orient="horz" pos="2160" userDrawn="1">
           <p15:clr>
             <a:srgbClr val="FBAE40"/>
@@ -5389,7 +5389,7 @@
   </p:txStyles>
   <p:extLst mod="1">
     <p:ext uri="{27BBF7A9-308A-43DC-89C8-2F10F3537804}">
-      <p15:sldGuideLst xmlns:p15="http://schemas.microsoft.com/office/powerpoint/2012/main">
+      <p15:sldGuideLst xmlns:p15="http://schemas.microsoft.com/office/powerpoint/2012/main" xmlns="">
         <p15:guide id="0" orient="horz" pos="2160" userDrawn="1">
           <p15:clr>
             <a:srgbClr val="F26B43"/>
@@ -5770,7 +5770,7 @@
           <p:cNvPr id="26" name="矩形 25">
             <a:extLst>
               <a:ext uri="{FF2B5EF4-FFF2-40B4-BE49-F238E27FC236}">
-                <a16:creationId xmlns:a16="http://schemas.microsoft.com/office/drawing/2014/main" id="{2834A1C7-A508-4259-9EF8-E06D1A16D932}"/>
+                <a16:creationId xmlns:a16="http://schemas.microsoft.com/office/drawing/2014/main" xmlns="" id="{2834A1C7-A508-4259-9EF8-E06D1A16D932}"/>
               </a:ext>
             </a:extLst>
           </p:cNvPr>
@@ -5882,7 +5882,7 @@
           <p:cNvPr id="27" name="Picture 3">
             <a:extLst>
               <a:ext uri="{FF2B5EF4-FFF2-40B4-BE49-F238E27FC236}">
-                <a16:creationId xmlns:a16="http://schemas.microsoft.com/office/drawing/2014/main" id="{EA6A6C46-7206-4267-A2B9-95644BDABFB7}"/>
+                <a16:creationId xmlns:a16="http://schemas.microsoft.com/office/drawing/2014/main" xmlns="" id="{EA6A6C46-7206-4267-A2B9-95644BDABFB7}"/>
               </a:ext>
             </a:extLst>
           </p:cNvPr>
@@ -5940,7 +5940,7 @@
           <p:cNvPr id="28" name="矩形 27">
             <a:extLst>
               <a:ext uri="{FF2B5EF4-FFF2-40B4-BE49-F238E27FC236}">
-                <a16:creationId xmlns:a16="http://schemas.microsoft.com/office/drawing/2014/main" id="{9B61DA7B-5937-4E5E-8C20-42B7E91C30F2}"/>
+                <a16:creationId xmlns:a16="http://schemas.microsoft.com/office/drawing/2014/main" xmlns="" id="{9B61DA7B-5937-4E5E-8C20-42B7E91C30F2}"/>
               </a:ext>
             </a:extLst>
           </p:cNvPr>
@@ -5980,7 +5980,7 @@
           <p:cNvPr id="29" name="Picture 3">
             <a:extLst>
               <a:ext uri="{FF2B5EF4-FFF2-40B4-BE49-F238E27FC236}">
-                <a16:creationId xmlns:a16="http://schemas.microsoft.com/office/drawing/2014/main" id="{576926B4-61FD-453E-903F-14C898F4B13C}"/>
+                <a16:creationId xmlns:a16="http://schemas.microsoft.com/office/drawing/2014/main" xmlns="" id="{576926B4-61FD-453E-903F-14C898F4B13C}"/>
               </a:ext>
             </a:extLst>
           </p:cNvPr>
@@ -6038,7 +6038,7 @@
           <p:cNvPr id="30" name="矩形 29">
             <a:extLst>
               <a:ext uri="{FF2B5EF4-FFF2-40B4-BE49-F238E27FC236}">
-                <a16:creationId xmlns:a16="http://schemas.microsoft.com/office/drawing/2014/main" id="{A40916CF-A032-43D7-ABBE-19A78DC37AB1}"/>
+                <a16:creationId xmlns:a16="http://schemas.microsoft.com/office/drawing/2014/main" xmlns="" id="{A40916CF-A032-43D7-ABBE-19A78DC37AB1}"/>
               </a:ext>
             </a:extLst>
           </p:cNvPr>
@@ -6078,7 +6078,7 @@
           <p:cNvPr id="31" name="Picture 3">
             <a:extLst>
               <a:ext uri="{FF2B5EF4-FFF2-40B4-BE49-F238E27FC236}">
-                <a16:creationId xmlns:a16="http://schemas.microsoft.com/office/drawing/2014/main" id="{74B08DB7-D951-4F97-A7E3-0019BFCE9CE8}"/>
+                <a16:creationId xmlns:a16="http://schemas.microsoft.com/office/drawing/2014/main" xmlns="" id="{74B08DB7-D951-4F97-A7E3-0019BFCE9CE8}"/>
               </a:ext>
             </a:extLst>
           </p:cNvPr>
@@ -6136,7 +6136,7 @@
           <p:cNvPr id="36" name="Picture 2">
             <a:extLst>
               <a:ext uri="{FF2B5EF4-FFF2-40B4-BE49-F238E27FC236}">
-                <a16:creationId xmlns:a16="http://schemas.microsoft.com/office/drawing/2014/main" id="{822744F5-EA66-476E-950D-C9AA7D7DFCC8}"/>
+                <a16:creationId xmlns:a16="http://schemas.microsoft.com/office/drawing/2014/main" xmlns="" id="{822744F5-EA66-476E-950D-C9AA7D7DFCC8}"/>
               </a:ext>
             </a:extLst>
           </p:cNvPr>
@@ -6379,7 +6379,7 @@
           <p:cNvPr id="6" name="Picture 3">
             <a:extLst>
               <a:ext uri="{FF2B5EF4-FFF2-40B4-BE49-F238E27FC236}">
-                <a16:creationId xmlns:a16="http://schemas.microsoft.com/office/drawing/2014/main" id="{1F8C077C-EDE3-4755-959E-F64B1F000D7D}"/>
+                <a16:creationId xmlns:a16="http://schemas.microsoft.com/office/drawing/2014/main" xmlns="" id="{1F8C077C-EDE3-4755-959E-F64B1F000D7D}"/>
               </a:ext>
             </a:extLst>
           </p:cNvPr>
@@ -6981,7 +6981,7 @@
           <p:cNvPr id="2" name="圖片 1">
             <a:extLst>
               <a:ext uri="{FF2B5EF4-FFF2-40B4-BE49-F238E27FC236}">
-                <a16:creationId xmlns:a16="http://schemas.microsoft.com/office/drawing/2014/main" id="{11A249BC-F8AD-4973-90A3-3F6583EECBBA}"/>
+                <a16:creationId xmlns:a16="http://schemas.microsoft.com/office/drawing/2014/main" xmlns="" id="{11A249BC-F8AD-4973-90A3-3F6583EECBBA}"/>
               </a:ext>
             </a:extLst>
           </p:cNvPr>
@@ -7182,7 +7182,7 @@
           <p:cNvPr id="2" name="圖片 1">
             <a:extLst>
               <a:ext uri="{FF2B5EF4-FFF2-40B4-BE49-F238E27FC236}">
-                <a16:creationId xmlns:a16="http://schemas.microsoft.com/office/drawing/2014/main" id="{A49D8EA7-9FDE-4C96-8B5D-203602A8AE48}"/>
+                <a16:creationId xmlns:a16="http://schemas.microsoft.com/office/drawing/2014/main" xmlns="" id="{A49D8EA7-9FDE-4C96-8B5D-203602A8AE48}"/>
               </a:ext>
             </a:extLst>
           </p:cNvPr>
@@ -7306,7 +7306,7 @@
           <p:cNvPr id="5" name="矩形 4">
             <a:extLst>
               <a:ext uri="{FF2B5EF4-FFF2-40B4-BE49-F238E27FC236}">
-                <a16:creationId xmlns:a16="http://schemas.microsoft.com/office/drawing/2014/main" id="{568EDBDC-4789-4CC1-BA55-DBD5707EEAF5}"/>
+                <a16:creationId xmlns:a16="http://schemas.microsoft.com/office/drawing/2014/main" xmlns="" id="{568EDBDC-4789-4CC1-BA55-DBD5707EEAF5}"/>
               </a:ext>
             </a:extLst>
           </p:cNvPr>
@@ -7429,7 +7429,7 @@
           <p:cNvPr id="7" name="矩形 6">
             <a:extLst>
               <a:ext uri="{FF2B5EF4-FFF2-40B4-BE49-F238E27FC236}">
-                <a16:creationId xmlns:a16="http://schemas.microsoft.com/office/drawing/2014/main" id="{568EDBDC-4789-4CC1-BA55-DBD5707EEAF5}"/>
+                <a16:creationId xmlns:a16="http://schemas.microsoft.com/office/drawing/2014/main" xmlns="" id="{568EDBDC-4789-4CC1-BA55-DBD5707EEAF5}"/>
               </a:ext>
             </a:extLst>
           </p:cNvPr>
@@ -8144,7 +8144,7 @@
           <p:cNvPr id="8" name="Picture 3">
             <a:extLst>
               <a:ext uri="{FF2B5EF4-FFF2-40B4-BE49-F238E27FC236}">
-                <a16:creationId xmlns:a16="http://schemas.microsoft.com/office/drawing/2014/main" id="{627BAB1A-05E9-4826-AA44-2F4EFB623B76}"/>
+                <a16:creationId xmlns:a16="http://schemas.microsoft.com/office/drawing/2014/main" xmlns="" id="{627BAB1A-05E9-4826-AA44-2F4EFB623B76}"/>
               </a:ext>
             </a:extLst>
           </p:cNvPr>
@@ -8204,7 +8204,7 @@
           <p:cNvPr id="9" name="Picture 4">
             <a:extLst>
               <a:ext uri="{FF2B5EF4-FFF2-40B4-BE49-F238E27FC236}">
-                <a16:creationId xmlns:a16="http://schemas.microsoft.com/office/drawing/2014/main" id="{B23AD9A5-5652-463B-BD11-FAF28A9A99EB}"/>
+                <a16:creationId xmlns:a16="http://schemas.microsoft.com/office/drawing/2014/main" xmlns="" id="{B23AD9A5-5652-463B-BD11-FAF28A9A99EB}"/>
               </a:ext>
             </a:extLst>
           </p:cNvPr>
@@ -8410,7 +8410,7 @@
           <p:cNvPr id="2" name="圖片 1">
             <a:extLst>
               <a:ext uri="{FF2B5EF4-FFF2-40B4-BE49-F238E27FC236}">
-                <a16:creationId xmlns:a16="http://schemas.microsoft.com/office/drawing/2014/main" id="{DD5328CE-8F2D-4EDB-9F38-03539BBF37C8}"/>
+                <a16:creationId xmlns:a16="http://schemas.microsoft.com/office/drawing/2014/main" xmlns="" id="{DD5328CE-8F2D-4EDB-9F38-03539BBF37C8}"/>
               </a:ext>
             </a:extLst>
           </p:cNvPr>
@@ -8751,7 +8751,7 @@
           <p:cNvPr id="3" name="頁尾版面配置區 2">
             <a:extLst>
               <a:ext uri="{FF2B5EF4-FFF2-40B4-BE49-F238E27FC236}">
-                <a16:creationId xmlns:a16="http://schemas.microsoft.com/office/drawing/2014/main" id="{0C3C22FC-87A9-470E-816C-9616FBD64A2C}"/>
+                <a16:creationId xmlns:a16="http://schemas.microsoft.com/office/drawing/2014/main" xmlns="" id="{0C3C22FC-87A9-470E-816C-9616FBD64A2C}"/>
               </a:ext>
             </a:extLst>
           </p:cNvPr>
@@ -8780,7 +8780,7 @@
           <p:cNvPr id="4" name="投影片編號版面配置區 3">
             <a:extLst>
               <a:ext uri="{FF2B5EF4-FFF2-40B4-BE49-F238E27FC236}">
-                <a16:creationId xmlns:a16="http://schemas.microsoft.com/office/drawing/2014/main" id="{D2ABF5DF-D6C8-4873-81F7-F57ACB529D22}"/>
+                <a16:creationId xmlns:a16="http://schemas.microsoft.com/office/drawing/2014/main" xmlns="" id="{D2ABF5DF-D6C8-4873-81F7-F57ACB529D22}"/>
               </a:ext>
             </a:extLst>
           </p:cNvPr>
@@ -8815,7 +8815,7 @@
           <p:cNvPr id="5" name="矩形 4">
             <a:extLst>
               <a:ext uri="{FF2B5EF4-FFF2-40B4-BE49-F238E27FC236}">
-                <a16:creationId xmlns:a16="http://schemas.microsoft.com/office/drawing/2014/main" id="{3D9704A8-DA60-4F57-B1FF-0169A5737D57}"/>
+                <a16:creationId xmlns:a16="http://schemas.microsoft.com/office/drawing/2014/main" xmlns="" id="{3D9704A8-DA60-4F57-B1FF-0169A5737D57}"/>
               </a:ext>
             </a:extLst>
           </p:cNvPr>
@@ -8869,7 +8869,7 @@
           <p:cNvPr id="6" name="矩形 5">
             <a:extLst>
               <a:ext uri="{FF2B5EF4-FFF2-40B4-BE49-F238E27FC236}">
-                <a16:creationId xmlns:a16="http://schemas.microsoft.com/office/drawing/2014/main" id="{D47055CF-B01D-4666-987F-FE1DD2FBCEBD}"/>
+                <a16:creationId xmlns:a16="http://schemas.microsoft.com/office/drawing/2014/main" xmlns="" id="{D47055CF-B01D-4666-987F-FE1DD2FBCEBD}"/>
               </a:ext>
             </a:extLst>
           </p:cNvPr>
@@ -8977,7 +8977,7 @@
           <p:cNvPr id="2" name="矩形 1">
             <a:extLst>
               <a:ext uri="{FF2B5EF4-FFF2-40B4-BE49-F238E27FC236}">
-                <a16:creationId xmlns:a16="http://schemas.microsoft.com/office/drawing/2014/main" id="{F3AB0EA9-873F-490F-81B9-BA4BA6AB817F}"/>
+                <a16:creationId xmlns:a16="http://schemas.microsoft.com/office/drawing/2014/main" xmlns="" id="{F3AB0EA9-873F-490F-81B9-BA4BA6AB817F}"/>
               </a:ext>
             </a:extLst>
           </p:cNvPr>
@@ -9124,7 +9124,7 @@
           <p:cNvPr id="7" name="矩形 6">
             <a:extLst>
               <a:ext uri="{FF2B5EF4-FFF2-40B4-BE49-F238E27FC236}">
-                <a16:creationId xmlns:a16="http://schemas.microsoft.com/office/drawing/2014/main" id="{342B0922-8B37-4EDA-BE55-29FCAF148534}"/>
+                <a16:creationId xmlns:a16="http://schemas.microsoft.com/office/drawing/2014/main" xmlns="" id="{342B0922-8B37-4EDA-BE55-29FCAF148534}"/>
               </a:ext>
             </a:extLst>
           </p:cNvPr>
@@ -9268,7 +9268,7 @@
           <p:cNvPr id="8" name="矩形 7">
             <a:extLst>
               <a:ext uri="{FF2B5EF4-FFF2-40B4-BE49-F238E27FC236}">
-                <a16:creationId xmlns:a16="http://schemas.microsoft.com/office/drawing/2014/main" id="{2C1CB5F0-79D1-4DB2-B158-5F2CF5F317B4}"/>
+                <a16:creationId xmlns:a16="http://schemas.microsoft.com/office/drawing/2014/main" xmlns="" id="{2C1CB5F0-79D1-4DB2-B158-5F2CF5F317B4}"/>
               </a:ext>
             </a:extLst>
           </p:cNvPr>
@@ -9412,7 +9412,7 @@
           <p:cNvPr id="9" name="矩形 8">
             <a:extLst>
               <a:ext uri="{FF2B5EF4-FFF2-40B4-BE49-F238E27FC236}">
-                <a16:creationId xmlns:a16="http://schemas.microsoft.com/office/drawing/2014/main" id="{A2E174D1-D47D-4A11-A395-9DC04E13B53D}"/>
+                <a16:creationId xmlns:a16="http://schemas.microsoft.com/office/drawing/2014/main" xmlns="" id="{A2E174D1-D47D-4A11-A395-9DC04E13B53D}"/>
               </a:ext>
             </a:extLst>
           </p:cNvPr>
@@ -9753,7 +9753,7 @@
           <p:cNvPr id="10" name="矩形 9">
             <a:extLst>
               <a:ext uri="{FF2B5EF4-FFF2-40B4-BE49-F238E27FC236}">
-                <a16:creationId xmlns:a16="http://schemas.microsoft.com/office/drawing/2014/main" id="{C6D0D62E-98C1-4D54-B145-A420AF340C62}"/>
+                <a16:creationId xmlns:a16="http://schemas.microsoft.com/office/drawing/2014/main" xmlns="" id="{C6D0D62E-98C1-4D54-B145-A420AF340C62}"/>
               </a:ext>
             </a:extLst>
           </p:cNvPr>
@@ -11041,7 +11041,7 @@
           <p:cNvPr id="5" name="矩形 4">
             <a:extLst>
               <a:ext uri="{FF2B5EF4-FFF2-40B4-BE49-F238E27FC236}">
-                <a16:creationId xmlns:a16="http://schemas.microsoft.com/office/drawing/2014/main" id="{568EDBDC-4789-4CC1-BA55-DBD5707EEAF5}"/>
+                <a16:creationId xmlns:a16="http://schemas.microsoft.com/office/drawing/2014/main" xmlns="" id="{568EDBDC-4789-4CC1-BA55-DBD5707EEAF5}"/>
               </a:ext>
             </a:extLst>
           </p:cNvPr>
@@ -11164,7 +11164,7 @@
           <p:cNvPr id="7" name="矩形 6">
             <a:extLst>
               <a:ext uri="{FF2B5EF4-FFF2-40B4-BE49-F238E27FC236}">
-                <a16:creationId xmlns:a16="http://schemas.microsoft.com/office/drawing/2014/main" id="{568EDBDC-4789-4CC1-BA55-DBD5707EEAF5}"/>
+                <a16:creationId xmlns:a16="http://schemas.microsoft.com/office/drawing/2014/main" xmlns="" id="{568EDBDC-4789-4CC1-BA55-DBD5707EEAF5}"/>
               </a:ext>
             </a:extLst>
           </p:cNvPr>
@@ -11967,7 +11967,7 @@
           <p:cNvPr id="11" name="圖片 10">
             <a:extLst>
               <a:ext uri="{FF2B5EF4-FFF2-40B4-BE49-F238E27FC236}">
-                <a16:creationId xmlns:a16="http://schemas.microsoft.com/office/drawing/2014/main" id="{7218A7CF-0D07-41F7-83C4-AF3865001B05}"/>
+                <a16:creationId xmlns:a16="http://schemas.microsoft.com/office/drawing/2014/main" xmlns="" id="{7218A7CF-0D07-41F7-83C4-AF3865001B05}"/>
               </a:ext>
             </a:extLst>
           </p:cNvPr>
@@ -12039,7 +12039,7 @@
           <p:cNvPr id="5" name="矩形 4">
             <a:extLst>
               <a:ext uri="{FF2B5EF4-FFF2-40B4-BE49-F238E27FC236}">
-                <a16:creationId xmlns:a16="http://schemas.microsoft.com/office/drawing/2014/main" id="{A57154F1-3214-4E40-A1CD-3D54767B26B2}"/>
+                <a16:creationId xmlns:a16="http://schemas.microsoft.com/office/drawing/2014/main" xmlns="" id="{A57154F1-3214-4E40-A1CD-3D54767B26B2}"/>
               </a:ext>
             </a:extLst>
           </p:cNvPr>
@@ -12280,7 +12280,7 @@
           <p:cNvPr id="4" name="圖片 3">
             <a:extLst>
               <a:ext uri="{FF2B5EF4-FFF2-40B4-BE49-F238E27FC236}">
-                <a16:creationId xmlns:a16="http://schemas.microsoft.com/office/drawing/2014/main" id="{D2C1A8C3-62E5-4C57-8E0D-3C4A1E06D68C}"/>
+                <a16:creationId xmlns:a16="http://schemas.microsoft.com/office/drawing/2014/main" xmlns="" id="{D2C1A8C3-62E5-4C57-8E0D-3C4A1E06D68C}"/>
               </a:ext>
             </a:extLst>
           </p:cNvPr>
@@ -12309,7 +12309,7 @@
           <p:cNvPr id="5" name="圖片 4">
             <a:extLst>
               <a:ext uri="{FF2B5EF4-FFF2-40B4-BE49-F238E27FC236}">
-                <a16:creationId xmlns:a16="http://schemas.microsoft.com/office/drawing/2014/main" id="{B5F6BA07-B41E-4F8E-AB1F-F2E537907F3E}"/>
+                <a16:creationId xmlns:a16="http://schemas.microsoft.com/office/drawing/2014/main" xmlns="" id="{B5F6BA07-B41E-4F8E-AB1F-F2E537907F3E}"/>
               </a:ext>
             </a:extLst>
           </p:cNvPr>
@@ -12433,7 +12433,7 @@
           <p:cNvPr id="4" name="圖片 3">
             <a:extLst>
               <a:ext uri="{FF2B5EF4-FFF2-40B4-BE49-F238E27FC236}">
-                <a16:creationId xmlns:a16="http://schemas.microsoft.com/office/drawing/2014/main" id="{D3102C86-151D-4DB0-ACB7-94DBFE46CC10}"/>
+                <a16:creationId xmlns:a16="http://schemas.microsoft.com/office/drawing/2014/main" xmlns="" id="{D3102C86-151D-4DB0-ACB7-94DBFE46CC10}"/>
               </a:ext>
             </a:extLst>
           </p:cNvPr>
@@ -12463,7 +12463,7 @@
           <p:cNvPr id="5" name="矩形 4">
             <a:extLst>
               <a:ext uri="{FF2B5EF4-FFF2-40B4-BE49-F238E27FC236}">
-                <a16:creationId xmlns:a16="http://schemas.microsoft.com/office/drawing/2014/main" id="{A6BE33C7-D962-49B5-89BC-C9BD9FA36FBA}"/>
+                <a16:creationId xmlns:a16="http://schemas.microsoft.com/office/drawing/2014/main" xmlns="" id="{A6BE33C7-D962-49B5-89BC-C9BD9FA36FBA}"/>
               </a:ext>
             </a:extLst>
           </p:cNvPr>
@@ -12501,7 +12501,7 @@
           <p:cNvPr id="6" name="圖片 5">
             <a:extLst>
               <a:ext uri="{FF2B5EF4-FFF2-40B4-BE49-F238E27FC236}">
-                <a16:creationId xmlns:a16="http://schemas.microsoft.com/office/drawing/2014/main" id="{18EF6053-07C7-42B9-AD25-D7845557D269}"/>
+                <a16:creationId xmlns:a16="http://schemas.microsoft.com/office/drawing/2014/main" xmlns="" id="{18EF6053-07C7-42B9-AD25-D7845557D269}"/>
               </a:ext>
             </a:extLst>
           </p:cNvPr>
@@ -12531,7 +12531,7 @@
           <p:cNvPr id="7" name="圖片 6">
             <a:extLst>
               <a:ext uri="{FF2B5EF4-FFF2-40B4-BE49-F238E27FC236}">
-                <a16:creationId xmlns:a16="http://schemas.microsoft.com/office/drawing/2014/main" id="{247ABB58-C34A-496B-AC2D-2635F3A72CFB}"/>
+                <a16:creationId xmlns:a16="http://schemas.microsoft.com/office/drawing/2014/main" xmlns="" id="{247ABB58-C34A-496B-AC2D-2635F3A72CFB}"/>
               </a:ext>
             </a:extLst>
           </p:cNvPr>
@@ -12613,7 +12613,7 @@
           <p:cNvPr id="3" name="圖片 2">
             <a:extLst>
               <a:ext uri="{FF2B5EF4-FFF2-40B4-BE49-F238E27FC236}">
-                <a16:creationId xmlns:a16="http://schemas.microsoft.com/office/drawing/2014/main" id="{7A229735-7C08-441C-89AA-9E57E606F1DE}"/>
+                <a16:creationId xmlns:a16="http://schemas.microsoft.com/office/drawing/2014/main" xmlns="" id="{7A229735-7C08-441C-89AA-9E57E606F1DE}"/>
               </a:ext>
             </a:extLst>
           </p:cNvPr>
@@ -12739,7 +12739,7 @@
           <p:cNvPr id="4" name="圖片 3">
             <a:extLst>
               <a:ext uri="{FF2B5EF4-FFF2-40B4-BE49-F238E27FC236}">
-                <a16:creationId xmlns:a16="http://schemas.microsoft.com/office/drawing/2014/main" id="{F43A09DC-FA40-48D8-ACB4-FF70CF23ED40}"/>
+                <a16:creationId xmlns:a16="http://schemas.microsoft.com/office/drawing/2014/main" xmlns="" id="{F43A09DC-FA40-48D8-ACB4-FF70CF23ED40}"/>
               </a:ext>
             </a:extLst>
           </p:cNvPr>
@@ -13043,7 +13043,7 @@
           <p:cNvPr id="2" name="矩形 1">
             <a:extLst>
               <a:ext uri="{FF2B5EF4-FFF2-40B4-BE49-F238E27FC236}">
-                <a16:creationId xmlns:a16="http://schemas.microsoft.com/office/drawing/2014/main" id="{568EDBDC-4789-4CC1-BA55-DBD5707EEAF5}"/>
+                <a16:creationId xmlns:a16="http://schemas.microsoft.com/office/drawing/2014/main" xmlns="" id="{568EDBDC-4789-4CC1-BA55-DBD5707EEAF5}"/>
               </a:ext>
             </a:extLst>
           </p:cNvPr>
@@ -13453,7 +13453,7 @@
           <p:cNvPr id="6" name="矩形 5">
             <a:extLst>
               <a:ext uri="{FF2B5EF4-FFF2-40B4-BE49-F238E27FC236}">
-                <a16:creationId xmlns:a16="http://schemas.microsoft.com/office/drawing/2014/main" id="{568EDBDC-4789-4CC1-BA55-DBD5707EEAF5}"/>
+                <a16:creationId xmlns:a16="http://schemas.microsoft.com/office/drawing/2014/main" xmlns="" id="{568EDBDC-4789-4CC1-BA55-DBD5707EEAF5}"/>
               </a:ext>
             </a:extLst>
           </p:cNvPr>
@@ -15608,7 +15608,7 @@
           <p:cNvPr id="8" name="矩形 7">
             <a:extLst>
               <a:ext uri="{FF2B5EF4-FFF2-40B4-BE49-F238E27FC236}">
-                <a16:creationId xmlns:a16="http://schemas.microsoft.com/office/drawing/2014/main" id="{568EDBDC-4789-4CC1-BA55-DBD5707EEAF5}"/>
+                <a16:creationId xmlns:a16="http://schemas.microsoft.com/office/drawing/2014/main" xmlns="" id="{568EDBDC-4789-4CC1-BA55-DBD5707EEAF5}"/>
               </a:ext>
             </a:extLst>
           </p:cNvPr>
@@ -15990,7 +15990,7 @@
           <p:cNvPr id="9" name="矩形 8">
             <a:extLst>
               <a:ext uri="{FF2B5EF4-FFF2-40B4-BE49-F238E27FC236}">
-                <a16:creationId xmlns:a16="http://schemas.microsoft.com/office/drawing/2014/main" id="{568EDBDC-4789-4CC1-BA55-DBD5707EEAF5}"/>
+                <a16:creationId xmlns:a16="http://schemas.microsoft.com/office/drawing/2014/main" xmlns="" id="{568EDBDC-4789-4CC1-BA55-DBD5707EEAF5}"/>
               </a:ext>
             </a:extLst>
           </p:cNvPr>
@@ -16380,7 +16380,7 @@
           <p:cNvPr id="8" name="Picture 2">
             <a:extLst>
               <a:ext uri="{FF2B5EF4-FFF2-40B4-BE49-F238E27FC236}">
-                <a16:creationId xmlns:a16="http://schemas.microsoft.com/office/drawing/2014/main" id="{CB76E224-85B3-45A5-AB97-33FBE7F51AF5}"/>
+                <a16:creationId xmlns:a16="http://schemas.microsoft.com/office/drawing/2014/main" xmlns="" id="{CB76E224-85B3-45A5-AB97-33FBE7F51AF5}"/>
               </a:ext>
             </a:extLst>
           </p:cNvPr>
@@ -16532,7 +16532,7 @@
           <p:cNvPr id="8" name="矩形 7">
             <a:extLst>
               <a:ext uri="{FF2B5EF4-FFF2-40B4-BE49-F238E27FC236}">
-                <a16:creationId xmlns:a16="http://schemas.microsoft.com/office/drawing/2014/main" id="{568EDBDC-4789-4CC1-BA55-DBD5707EEAF5}"/>
+                <a16:creationId xmlns:a16="http://schemas.microsoft.com/office/drawing/2014/main" xmlns="" id="{568EDBDC-4789-4CC1-BA55-DBD5707EEAF5}"/>
               </a:ext>
             </a:extLst>
           </p:cNvPr>
@@ -16914,7 +16914,7 @@
           <p:cNvPr id="9" name="矩形 8">
             <a:extLst>
               <a:ext uri="{FF2B5EF4-FFF2-40B4-BE49-F238E27FC236}">
-                <a16:creationId xmlns:a16="http://schemas.microsoft.com/office/drawing/2014/main" id="{568EDBDC-4789-4CC1-BA55-DBD5707EEAF5}"/>
+                <a16:creationId xmlns:a16="http://schemas.microsoft.com/office/drawing/2014/main" xmlns="" id="{568EDBDC-4789-4CC1-BA55-DBD5707EEAF5}"/>
               </a:ext>
             </a:extLst>
           </p:cNvPr>
@@ -17079,7 +17079,7 @@
           <p:cNvPr id="2" name="圖片 1">
             <a:extLst>
               <a:ext uri="{FF2B5EF4-FFF2-40B4-BE49-F238E27FC236}">
-                <a16:creationId xmlns:a16="http://schemas.microsoft.com/office/drawing/2014/main" id="{2C329B88-44A2-4966-9E5B-6061840491ED}"/>
+                <a16:creationId xmlns:a16="http://schemas.microsoft.com/office/drawing/2014/main" xmlns="" id="{2C329B88-44A2-4966-9E5B-6061840491ED}"/>
               </a:ext>
             </a:extLst>
           </p:cNvPr>
@@ -17109,7 +17109,7 @@
           <p:cNvPr id="3" name="矩形 2">
             <a:extLst>
               <a:ext uri="{FF2B5EF4-FFF2-40B4-BE49-F238E27FC236}">
-                <a16:creationId xmlns:a16="http://schemas.microsoft.com/office/drawing/2014/main" id="{ABFC52AD-E36E-4F1B-A7D3-92B961A89FC6}"/>
+                <a16:creationId xmlns:a16="http://schemas.microsoft.com/office/drawing/2014/main" xmlns="" id="{ABFC52AD-E36E-4F1B-A7D3-92B961A89FC6}"/>
               </a:ext>
             </a:extLst>
           </p:cNvPr>
@@ -17310,7 +17310,7 @@
           <p:cNvPr id="4" name="矩形 3">
             <a:extLst>
               <a:ext uri="{FF2B5EF4-FFF2-40B4-BE49-F238E27FC236}">
-                <a16:creationId xmlns:a16="http://schemas.microsoft.com/office/drawing/2014/main" id="{0D2B5AF0-E187-40A1-9343-7F5DACB61ADC}"/>
+                <a16:creationId xmlns:a16="http://schemas.microsoft.com/office/drawing/2014/main" xmlns="" id="{0D2B5AF0-E187-40A1-9343-7F5DACB61ADC}"/>
               </a:ext>
             </a:extLst>
           </p:cNvPr>
@@ -17524,7 +17524,7 @@
           <p:cNvPr id="9" name="語音泡泡: 圓角矩形 6">
             <a:extLst>
               <a:ext uri="{FF2B5EF4-FFF2-40B4-BE49-F238E27FC236}">
-                <a16:creationId xmlns:a16="http://schemas.microsoft.com/office/drawing/2014/main" id="{E1486E0C-4024-47AF-A99B-32C763660AF4}"/>
+                <a16:creationId xmlns:a16="http://schemas.microsoft.com/office/drawing/2014/main" xmlns="" id="{E1486E0C-4024-47AF-A99B-32C763660AF4}"/>
               </a:ext>
             </a:extLst>
           </p:cNvPr>
@@ -18035,7 +18035,7 @@
           <p:cNvPr id="8" name="矩形 7">
             <a:extLst>
               <a:ext uri="{FF2B5EF4-FFF2-40B4-BE49-F238E27FC236}">
-                <a16:creationId xmlns:a16="http://schemas.microsoft.com/office/drawing/2014/main" id="{568EDBDC-4789-4CC1-BA55-DBD5707EEAF5}"/>
+                <a16:creationId xmlns:a16="http://schemas.microsoft.com/office/drawing/2014/main" xmlns="" id="{568EDBDC-4789-4CC1-BA55-DBD5707EEAF5}"/>
               </a:ext>
             </a:extLst>
           </p:cNvPr>
@@ -18417,7 +18417,7 @@
           <p:cNvPr id="9" name="矩形 8">
             <a:extLst>
               <a:ext uri="{FF2B5EF4-FFF2-40B4-BE49-F238E27FC236}">
-                <a16:creationId xmlns:a16="http://schemas.microsoft.com/office/drawing/2014/main" id="{568EDBDC-4789-4CC1-BA55-DBD5707EEAF5}"/>
+                <a16:creationId xmlns:a16="http://schemas.microsoft.com/office/drawing/2014/main" xmlns="" id="{568EDBDC-4789-4CC1-BA55-DBD5707EEAF5}"/>
               </a:ext>
             </a:extLst>
           </p:cNvPr>
@@ -18834,7 +18834,7 @@
           <p:cNvPr id="8" name="矩形 7">
             <a:extLst>
               <a:ext uri="{FF2B5EF4-FFF2-40B4-BE49-F238E27FC236}">
-                <a16:creationId xmlns:a16="http://schemas.microsoft.com/office/drawing/2014/main" id="{568EDBDC-4789-4CC1-BA55-DBD5707EEAF5}"/>
+                <a16:creationId xmlns:a16="http://schemas.microsoft.com/office/drawing/2014/main" xmlns="" id="{568EDBDC-4789-4CC1-BA55-DBD5707EEAF5}"/>
               </a:ext>
             </a:extLst>
           </p:cNvPr>
@@ -19584,7 +19584,7 @@
           <p:cNvPr id="3" name="頁尾版面配置區 2">
             <a:extLst>
               <a:ext uri="{FF2B5EF4-FFF2-40B4-BE49-F238E27FC236}">
-                <a16:creationId xmlns:a16="http://schemas.microsoft.com/office/drawing/2014/main" id="{7ABA3A82-A17F-499F-A813-1AFA18EC94AB}"/>
+                <a16:creationId xmlns:a16="http://schemas.microsoft.com/office/drawing/2014/main" xmlns="" id="{7ABA3A82-A17F-499F-A813-1AFA18EC94AB}"/>
               </a:ext>
             </a:extLst>
           </p:cNvPr>
@@ -19613,7 +19613,7 @@
           <p:cNvPr id="4" name="投影片編號版面配置區 3">
             <a:extLst>
               <a:ext uri="{FF2B5EF4-FFF2-40B4-BE49-F238E27FC236}">
-                <a16:creationId xmlns:a16="http://schemas.microsoft.com/office/drawing/2014/main" id="{7A0E1500-9A82-41A1-B090-016767506F58}"/>
+                <a16:creationId xmlns:a16="http://schemas.microsoft.com/office/drawing/2014/main" xmlns="" id="{7A0E1500-9A82-41A1-B090-016767506F58}"/>
               </a:ext>
             </a:extLst>
           </p:cNvPr>
@@ -20239,7 +20239,7 @@
         </p:blipFill>
         <p:spPr bwMode="auto">
           <a:xfrm>
-            <a:off x="314056" y="1096184"/>
+            <a:off x="3510319" y="1106068"/>
             <a:ext cx="4162425" cy="2181225"/>
           </a:xfrm>
           <a:prstGeom prst="rect">
@@ -20272,7 +20272,7 @@
       </p:pic>
       <p:pic>
         <p:nvPicPr>
-          <p:cNvPr id="2051" name="Picture 3"/>
+          <p:cNvPr id="2052" name="Picture 4"/>
           <p:cNvPicPr>
             <a:picLocks noChangeAspect="1" noChangeArrowheads="1"/>
           </p:cNvPicPr>
@@ -20293,8 +20293,8 @@
         </p:blipFill>
         <p:spPr bwMode="auto">
           <a:xfrm>
-            <a:off x="4994875" y="2324011"/>
-            <a:ext cx="4324350" cy="1562100"/>
+            <a:off x="264274" y="1106068"/>
+            <a:ext cx="3019425" cy="2105025"/>
           </a:xfrm>
           <a:prstGeom prst="rect">
             <a:avLst/>
@@ -20326,7 +20326,7 @@
       </p:pic>
       <p:pic>
         <p:nvPicPr>
-          <p:cNvPr id="2052" name="Picture 4"/>
+          <p:cNvPr id="1026" name="Picture 2"/>
           <p:cNvPicPr>
             <a:picLocks noChangeAspect="1" noChangeArrowheads="1"/>
           </p:cNvPicPr>
@@ -20347,8 +20347,99 @@
         </p:blipFill>
         <p:spPr bwMode="auto">
           <a:xfrm>
-            <a:off x="747353" y="3886111"/>
-            <a:ext cx="3019425" cy="2105025"/>
+            <a:off x="7734479" y="1191074"/>
+            <a:ext cx="4410075" cy="1428750"/>
+          </a:xfrm>
+          <a:prstGeom prst="rect">
+            <a:avLst/>
+          </a:prstGeom>
+          <a:noFill/>
+          <a:ln>
+            <a:noFill/>
+          </a:ln>
+          <a:extLst>
+            <a:ext uri="{909E8E84-426E-40DD-AFC4-6F175D3DCCD1}">
+              <a14:hiddenFill xmlns:a14="http://schemas.microsoft.com/office/drawing/2010/main">
+                <a:solidFill>
+                  <a:schemeClr val="accent1"/>
+                </a:solidFill>
+              </a14:hiddenFill>
+            </a:ext>
+            <a:ext uri="{91240B29-F687-4F45-9708-019B960494DF}">
+              <a14:hiddenLine xmlns:a14="http://schemas.microsoft.com/office/drawing/2010/main" w="9525">
+                <a:solidFill>
+                  <a:schemeClr val="tx1"/>
+                </a:solidFill>
+                <a:miter lim="800000"/>
+                <a:headEnd/>
+                <a:tailEnd/>
+              </a14:hiddenLine>
+            </a:ext>
+          </a:extLst>
+        </p:spPr>
+      </p:pic>
+      <p:sp>
+        <p:nvSpPr>
+          <p:cNvPr id="8" name="矩形 7"/>
+          <p:cNvSpPr/>
+          <p:nvPr/>
+        </p:nvSpPr>
+        <p:spPr>
+          <a:xfrm>
+            <a:off x="140360" y="562320"/>
+            <a:ext cx="1808637" cy="461665"/>
+          </a:xfrm>
+          <a:prstGeom prst="rect">
+            <a:avLst/>
+          </a:prstGeom>
+        </p:spPr>
+        <p:txBody>
+          <a:bodyPr wrap="none">
+            <a:spAutoFit/>
+          </a:bodyPr>
+          <a:lstStyle/>
+          <a:p>
+            <a:r>
+              <a:rPr lang="en-US" altLang="zh-TW" sz="2400" dirty="0" err="1">
+                <a:solidFill>
+                  <a:srgbClr val="FF0000"/>
+                </a:solidFill>
+              </a:rPr>
+              <a:t>CheckBoxList</a:t>
+            </a:r>
+            <a:endParaRPr lang="zh-TW" altLang="en-US" sz="2400" dirty="0">
+              <a:solidFill>
+                <a:srgbClr val="FF0000"/>
+              </a:solidFill>
+            </a:endParaRPr>
+          </a:p>
+        </p:txBody>
+      </p:sp>
+      <p:pic>
+        <p:nvPicPr>
+          <p:cNvPr id="1027" name="Picture 3"/>
+          <p:cNvPicPr>
+            <a:picLocks noChangeAspect="1" noChangeArrowheads="1"/>
+          </p:cNvPicPr>
+          <p:nvPr/>
+        </p:nvPicPr>
+        <p:blipFill>
+          <a:blip r:embed="rId5">
+            <a:extLst>
+              <a:ext uri="{28A0092B-C50C-407E-A947-70E740481C1C}">
+                <a14:useLocalDpi xmlns:a14="http://schemas.microsoft.com/office/drawing/2010/main" val="0"/>
+              </a:ext>
+            </a:extLst>
+          </a:blip>
+          <a:srcRect/>
+          <a:stretch>
+            <a:fillRect/>
+          </a:stretch>
+        </p:blipFill>
+        <p:spPr bwMode="auto">
+          <a:xfrm>
+            <a:off x="140360" y="3692735"/>
+            <a:ext cx="4517366" cy="2682186"/>
           </a:xfrm>
           <a:prstGeom prst="rect">
             <a:avLst/>
@@ -20774,7 +20865,7 @@
           <p:cNvPr id="7" name="語音泡泡: 圓角矩形 6">
             <a:extLst>
               <a:ext uri="{FF2B5EF4-FFF2-40B4-BE49-F238E27FC236}">
-                <a16:creationId xmlns:a16="http://schemas.microsoft.com/office/drawing/2014/main" id="{9C9705FC-D0EF-45D9-8CAB-2398A5282624}"/>
+                <a16:creationId xmlns:a16="http://schemas.microsoft.com/office/drawing/2014/main" xmlns="" id="{9C9705FC-D0EF-45D9-8CAB-2398A5282624}"/>
               </a:ext>
             </a:extLst>
           </p:cNvPr>
@@ -20868,7 +20959,7 @@
           <p:cNvPr id="8" name="語音泡泡: 圓角矩形 7">
             <a:extLst>
               <a:ext uri="{FF2B5EF4-FFF2-40B4-BE49-F238E27FC236}">
-                <a16:creationId xmlns:a16="http://schemas.microsoft.com/office/drawing/2014/main" id="{4C0066AE-909C-42B8-8E44-C45670AE8500}"/>
+                <a16:creationId xmlns:a16="http://schemas.microsoft.com/office/drawing/2014/main" xmlns="" id="{4C0066AE-909C-42B8-8E44-C45670AE8500}"/>
               </a:ext>
             </a:extLst>
           </p:cNvPr>
@@ -22203,7 +22294,7 @@
           <p:cNvPr id="4" name="圖片 3">
             <a:extLst>
               <a:ext uri="{FF2B5EF4-FFF2-40B4-BE49-F238E27FC236}">
-                <a16:creationId xmlns:a16="http://schemas.microsoft.com/office/drawing/2014/main" id="{DC61ED52-2B99-4CAB-987C-94ED3BC3CD2F}"/>
+                <a16:creationId xmlns:a16="http://schemas.microsoft.com/office/drawing/2014/main" xmlns="" id="{DC61ED52-2B99-4CAB-987C-94ED3BC3CD2F}"/>
               </a:ext>
             </a:extLst>
           </p:cNvPr>
@@ -22233,7 +22324,7 @@
           <p:cNvPr id="5" name="矩形 4">
             <a:extLst>
               <a:ext uri="{FF2B5EF4-FFF2-40B4-BE49-F238E27FC236}">
-                <a16:creationId xmlns:a16="http://schemas.microsoft.com/office/drawing/2014/main" id="{568B6A2B-2AC1-42A0-BF27-2ACFDDAE3426}"/>
+                <a16:creationId xmlns:a16="http://schemas.microsoft.com/office/drawing/2014/main" xmlns="" id="{568B6A2B-2AC1-42A0-BF27-2ACFDDAE3426}"/>
               </a:ext>
             </a:extLst>
           </p:cNvPr>
@@ -22285,7 +22376,7 @@
           <p:cNvPr id="6" name="矩形 5">
             <a:extLst>
               <a:ext uri="{FF2B5EF4-FFF2-40B4-BE49-F238E27FC236}">
-                <a16:creationId xmlns:a16="http://schemas.microsoft.com/office/drawing/2014/main" id="{42F778B7-D274-4355-99E8-8FBF550011A7}"/>
+                <a16:creationId xmlns:a16="http://schemas.microsoft.com/office/drawing/2014/main" xmlns="" id="{42F778B7-D274-4355-99E8-8FBF550011A7}"/>
               </a:ext>
             </a:extLst>
           </p:cNvPr>
@@ -22647,7 +22738,7 @@
           <p:cNvPr id="6" name="語音泡泡: 圓角矩形 6">
             <a:extLst>
               <a:ext uri="{FF2B5EF4-FFF2-40B4-BE49-F238E27FC236}">
-                <a16:creationId xmlns:a16="http://schemas.microsoft.com/office/drawing/2014/main" id="{E1486E0C-4024-47AF-A99B-32C763660AF4}"/>
+                <a16:creationId xmlns:a16="http://schemas.microsoft.com/office/drawing/2014/main" xmlns="" id="{E1486E0C-4024-47AF-A99B-32C763660AF4}"/>
               </a:ext>
             </a:extLst>
           </p:cNvPr>
@@ -22929,7 +23020,7 @@
           <p:cNvPr id="6" name="矩形 5">
             <a:extLst>
               <a:ext uri="{FF2B5EF4-FFF2-40B4-BE49-F238E27FC236}">
-                <a16:creationId xmlns:a16="http://schemas.microsoft.com/office/drawing/2014/main" id="{568EDBDC-4789-4CC1-BA55-DBD5707EEAF5}"/>
+                <a16:creationId xmlns:a16="http://schemas.microsoft.com/office/drawing/2014/main" xmlns="" id="{568EDBDC-4789-4CC1-BA55-DBD5707EEAF5}"/>
               </a:ext>
             </a:extLst>
           </p:cNvPr>
@@ -23006,7 +23097,7 @@
           <p:cNvPr id="5" name="矩形 4">
             <a:extLst>
               <a:ext uri="{FF2B5EF4-FFF2-40B4-BE49-F238E27FC236}">
-                <a16:creationId xmlns:a16="http://schemas.microsoft.com/office/drawing/2014/main" id="{568EDBDC-4789-4CC1-BA55-DBD5707EEAF5}"/>
+                <a16:creationId xmlns:a16="http://schemas.microsoft.com/office/drawing/2014/main" xmlns="" id="{568EDBDC-4789-4CC1-BA55-DBD5707EEAF5}"/>
               </a:ext>
             </a:extLst>
           </p:cNvPr>
@@ -23758,7 +23849,7 @@
   <a:extraClrSchemeLst/>
   <a:extLst>
     <a:ext uri="{05A4C25C-085E-4340-85A3-A5531E510DB2}">
-      <thm15:themeFamily xmlns:thm15="http://schemas.microsoft.com/office/thememl/2012/main" name="Office_16224615_TF03460604.potx" id="{459C345E-EC57-4CE6-8378-CD5A0E02B40D}" vid="{75388508-C140-4AE9-B3F8-1A15F21DF63F}"/>
+      <thm15:themeFamily xmlns:thm15="http://schemas.microsoft.com/office/thememl/2012/main" xmlns="" name="Office_16224615_TF03460604.potx" id="{459C345E-EC57-4CE6-8378-CD5A0E02B40D}" vid="{75388508-C140-4AE9-B3F8-1A15F21DF63F}"/>
     </a:ext>
   </a:extLst>
 </a:theme>
@@ -24019,7 +24110,7 @@
   <a:extraClrSchemeLst/>
   <a:extLst>
     <a:ext uri="{05A4C25C-085E-4340-85A3-A5531E510DB2}">
-      <thm15:themeFamily xmlns:thm15="http://schemas.microsoft.com/office/thememl/2012/main" name="Office Theme" id="{62F939B6-93AF-4DB8-9C6B-D6C7DFDC589F}" vid="{4A3C46E8-61CC-4603-A589-7422A47A8E4A}"/>
+      <thm15:themeFamily xmlns:thm15="http://schemas.microsoft.com/office/thememl/2012/main" xmlns="" name="Office Theme" id="{62F939B6-93AF-4DB8-9C6B-D6C7DFDC589F}" vid="{4A3C46E8-61CC-4603-A589-7422A47A8E4A}"/>
     </a:ext>
   </a:extLst>
 </a:theme>
@@ -24280,7 +24371,7 @@
   <a:extraClrSchemeLst/>
   <a:extLst>
     <a:ext uri="{05A4C25C-085E-4340-85A3-A5531E510DB2}">
-      <thm15:themeFamily xmlns:thm15="http://schemas.microsoft.com/office/thememl/2012/main" name="Office Theme" id="{62F939B6-93AF-4DB8-9C6B-D6C7DFDC589F}" vid="{4A3C46E8-61CC-4603-A589-7422A47A8E4A}"/>
+      <thm15:themeFamily xmlns:thm15="http://schemas.microsoft.com/office/thememl/2012/main" xmlns="" name="Office Theme" id="{62F939B6-93AF-4DB8-9C6B-D6C7DFDC589F}" vid="{4A3C46E8-61CC-4603-A589-7422A47A8E4A}"/>
     </a:ext>
   </a:extLst>
 </a:theme>
